--- a/documentation/model_structure.pptx
+++ b/documentation/model_structure.pptx
@@ -7,6 +7,7 @@
   <p:sldIdLst>
     <p:sldId id="256" r:id="rId2"/>
     <p:sldId id="257" r:id="rId3"/>
+    <p:sldId id="258" r:id="rId4"/>
   </p:sldIdLst>
   <p:sldSz cx="12192000" cy="6858000"/>
   <p:notesSz cx="6858000" cy="9144000"/>
@@ -105,6 +106,11 @@
       </a:defRPr>
     </a:lvl9pPr>
   </p:defaultTextStyle>
+  <p:extLst>
+    <p:ext uri="{EFAFB233-063F-42B5-8137-9DF3F51BA10A}">
+      <p15:sldGuideLst xmlns:p15="http://schemas.microsoft.com/office/powerpoint/2012/main"/>
+    </p:ext>
+  </p:extLst>
 </p:presentation>
 </file>
 
@@ -255,7 +261,7 @@
           <a:p>
             <a:fld id="{13EE376D-FD4B-0B44-ADA7-9A16B8AB0BAD}" type="datetimeFigureOut">
               <a:rPr lang="en-US" smtClean="0"/>
-              <a:t>5/7/25</a:t>
+              <a:t>6/26/25</a:t>
             </a:fld>
             <a:endParaRPr lang="en-US"/>
           </a:p>
@@ -453,7 +459,7 @@
           <a:p>
             <a:fld id="{13EE376D-FD4B-0B44-ADA7-9A16B8AB0BAD}" type="datetimeFigureOut">
               <a:rPr lang="en-US" smtClean="0"/>
-              <a:t>5/7/25</a:t>
+              <a:t>6/26/25</a:t>
             </a:fld>
             <a:endParaRPr lang="en-US"/>
           </a:p>
@@ -661,7 +667,7 @@
           <a:p>
             <a:fld id="{13EE376D-FD4B-0B44-ADA7-9A16B8AB0BAD}" type="datetimeFigureOut">
               <a:rPr lang="en-US" smtClean="0"/>
-              <a:t>5/7/25</a:t>
+              <a:t>6/26/25</a:t>
             </a:fld>
             <a:endParaRPr lang="en-US"/>
           </a:p>
@@ -859,7 +865,7 @@
           <a:p>
             <a:fld id="{13EE376D-FD4B-0B44-ADA7-9A16B8AB0BAD}" type="datetimeFigureOut">
               <a:rPr lang="en-US" smtClean="0"/>
-              <a:t>5/7/25</a:t>
+              <a:t>6/26/25</a:t>
             </a:fld>
             <a:endParaRPr lang="en-US"/>
           </a:p>
@@ -1134,7 +1140,7 @@
           <a:p>
             <a:fld id="{13EE376D-FD4B-0B44-ADA7-9A16B8AB0BAD}" type="datetimeFigureOut">
               <a:rPr lang="en-US" smtClean="0"/>
-              <a:t>5/7/25</a:t>
+              <a:t>6/26/25</a:t>
             </a:fld>
             <a:endParaRPr lang="en-US"/>
           </a:p>
@@ -1399,7 +1405,7 @@
           <a:p>
             <a:fld id="{13EE376D-FD4B-0B44-ADA7-9A16B8AB0BAD}" type="datetimeFigureOut">
               <a:rPr lang="en-US" smtClean="0"/>
-              <a:t>5/7/25</a:t>
+              <a:t>6/26/25</a:t>
             </a:fld>
             <a:endParaRPr lang="en-US"/>
           </a:p>
@@ -1811,7 +1817,7 @@
           <a:p>
             <a:fld id="{13EE376D-FD4B-0B44-ADA7-9A16B8AB0BAD}" type="datetimeFigureOut">
               <a:rPr lang="en-US" smtClean="0"/>
-              <a:t>5/7/25</a:t>
+              <a:t>6/26/25</a:t>
             </a:fld>
             <a:endParaRPr lang="en-US"/>
           </a:p>
@@ -1952,7 +1958,7 @@
           <a:p>
             <a:fld id="{13EE376D-FD4B-0B44-ADA7-9A16B8AB0BAD}" type="datetimeFigureOut">
               <a:rPr lang="en-US" smtClean="0"/>
-              <a:t>5/7/25</a:t>
+              <a:t>6/26/25</a:t>
             </a:fld>
             <a:endParaRPr lang="en-US"/>
           </a:p>
@@ -2065,7 +2071,7 @@
           <a:p>
             <a:fld id="{13EE376D-FD4B-0B44-ADA7-9A16B8AB0BAD}" type="datetimeFigureOut">
               <a:rPr lang="en-US" smtClean="0"/>
-              <a:t>5/7/25</a:t>
+              <a:t>6/26/25</a:t>
             </a:fld>
             <a:endParaRPr lang="en-US"/>
           </a:p>
@@ -2376,7 +2382,7 @@
           <a:p>
             <a:fld id="{13EE376D-FD4B-0B44-ADA7-9A16B8AB0BAD}" type="datetimeFigureOut">
               <a:rPr lang="en-US" smtClean="0"/>
-              <a:t>5/7/25</a:t>
+              <a:t>6/26/25</a:t>
             </a:fld>
             <a:endParaRPr lang="en-US"/>
           </a:p>
@@ -2664,7 +2670,7 @@
           <a:p>
             <a:fld id="{13EE376D-FD4B-0B44-ADA7-9A16B8AB0BAD}" type="datetimeFigureOut">
               <a:rPr lang="en-US" smtClean="0"/>
-              <a:t>5/7/25</a:t>
+              <a:t>6/26/25</a:t>
             </a:fld>
             <a:endParaRPr lang="en-US"/>
           </a:p>
@@ -2905,7 +2911,7 @@
           <a:p>
             <a:fld id="{13EE376D-FD4B-0B44-ADA7-9A16B8AB0BAD}" type="datetimeFigureOut">
               <a:rPr lang="en-US" smtClean="0"/>
-              <a:t>5/7/25</a:t>
+              <a:t>6/26/25</a:t>
             </a:fld>
             <a:endParaRPr lang="en-US"/>
           </a:p>
@@ -5400,7 +5406,7 @@
         </p:nvSpPr>
         <p:spPr>
           <a:xfrm>
-            <a:off x="6880390" y="1703935"/>
+            <a:off x="6880390" y="1651980"/>
             <a:ext cx="440691" cy="307777"/>
           </a:xfrm>
           <a:prstGeom prst="rect">
@@ -5463,7 +5469,7 @@
         </p:nvSpPr>
         <p:spPr>
           <a:xfrm>
-            <a:off x="6880390" y="2248465"/>
+            <a:off x="6880390" y="2263248"/>
             <a:ext cx="440691" cy="307777"/>
           </a:xfrm>
           <a:prstGeom prst="rect">
@@ -5589,7 +5595,7 @@
         </p:nvSpPr>
         <p:spPr>
           <a:xfrm>
-            <a:off x="9137977" y="1703935"/>
+            <a:off x="9137977" y="1651980"/>
             <a:ext cx="440691" cy="307777"/>
           </a:xfrm>
           <a:prstGeom prst="rect">
@@ -5652,7 +5658,7 @@
         </p:nvSpPr>
         <p:spPr>
           <a:xfrm>
-            <a:off x="9141986" y="2248465"/>
+            <a:off x="9141986" y="2329236"/>
             <a:ext cx="440691" cy="307777"/>
           </a:xfrm>
           <a:prstGeom prst="rect">
@@ -5787,15 +5793,13 @@
           </p:cNvPr>
           <p:cNvCxnSpPr>
             <a:cxnSpLocks/>
-            <a:stCxn id="25" idx="2"/>
-            <a:endCxn id="2" idx="1"/>
           </p:cNvCxnSpPr>
           <p:nvPr/>
         </p:nvCxnSpPr>
         <p:spPr>
-          <a:xfrm>
-            <a:off x="5960470" y="2528937"/>
-            <a:ext cx="1440289" cy="1031295"/>
+          <a:xfrm flipH="1">
+            <a:off x="9061686" y="2535288"/>
+            <a:ext cx="2033898" cy="1368577"/>
           </a:xfrm>
           <a:prstGeom prst="straightConnector1">
             <a:avLst/>
@@ -5822,50 +5826,13 @@
           </p:cNvPr>
           <p:cNvCxnSpPr>
             <a:cxnSpLocks/>
-            <a:stCxn id="26" idx="2"/>
-            <a:endCxn id="2" idx="3"/>
           </p:cNvCxnSpPr>
           <p:nvPr/>
         </p:nvCxnSpPr>
         <p:spPr>
           <a:xfrm flipH="1">
-            <a:off x="9039821" y="2528937"/>
-            <a:ext cx="1427588" cy="1031295"/>
-          </a:xfrm>
-          <a:prstGeom prst="straightConnector1">
-            <a:avLst/>
-          </a:prstGeom>
-          <a:noFill/>
-          <a:ln w="38100" cap="flat" cmpd="sng" algn="ctr">
-            <a:solidFill>
-              <a:schemeClr val="accent5"/>
-            </a:solidFill>
-            <a:prstDash val="solid"/>
-            <a:tailEnd type="triangle" w="lg" len="med"/>
-          </a:ln>
-          <a:effectLst/>
-        </p:spPr>
-      </p:cxnSp>
-      <p:cxnSp>
-        <p:nvCxnSpPr>
-          <p:cNvPr id="33" name="Straight Arrow Connector 32">
-            <a:extLst>
-              <a:ext uri="{FF2B5EF4-FFF2-40B4-BE49-F238E27FC236}">
-                <a16:creationId xmlns:a16="http://schemas.microsoft.com/office/drawing/2014/main" id="{3F4C681A-0468-2905-B8B6-5E9F0CBC513C}"/>
-              </a:ext>
-            </a:extLst>
-          </p:cNvPr>
-          <p:cNvCxnSpPr>
-            <a:cxnSpLocks/>
-            <a:stCxn id="17" idx="2"/>
-            <a:endCxn id="2" idx="0"/>
-          </p:cNvCxnSpPr>
-          <p:nvPr/>
-        </p:nvCxnSpPr>
-        <p:spPr>
-          <a:xfrm>
-            <a:off x="8213940" y="2530435"/>
-            <a:ext cx="6350" cy="652607"/>
+            <a:off x="9039821" y="2536865"/>
+            <a:ext cx="1593382" cy="1098783"/>
           </a:xfrm>
           <a:prstGeom prst="straightConnector1">
             <a:avLst/>
@@ -6070,8 +6037,8 @@
         </p:nvSpPr>
         <p:spPr>
           <a:xfrm>
-            <a:off x="6262261" y="2963409"/>
-            <a:ext cx="440691" cy="307777"/>
+            <a:off x="9717738" y="3062579"/>
+            <a:ext cx="440691" cy="276999"/>
           </a:xfrm>
           <a:prstGeom prst="rect">
             <a:avLst/>
@@ -6102,7 +6069,7 @@
               <a:defRPr/>
             </a:pPr>
             <a:r>
-              <a:rPr kumimoji="0" lang="en-US" sz="1400" b="1" i="0" u="none" strike="noStrike" kern="0" cap="none" spc="0" normalizeH="0" baseline="0" noProof="0" dirty="0">
+              <a:rPr kumimoji="0" lang="en-US" sz="1200" b="1" i="0" u="none" strike="noStrike" kern="0" cap="none" spc="0" normalizeH="0" baseline="0" noProof="0" dirty="0">
                 <a:ln>
                   <a:noFill/>
                 </a:ln>
@@ -6133,8 +6100,8 @@
         </p:nvSpPr>
         <p:spPr>
           <a:xfrm>
-            <a:off x="8189364" y="2667763"/>
-            <a:ext cx="440691" cy="307777"/>
+            <a:off x="9248843" y="2738036"/>
+            <a:ext cx="440691" cy="276999"/>
           </a:xfrm>
           <a:prstGeom prst="rect">
             <a:avLst/>
@@ -6165,19 +6132,19 @@
               <a:defRPr/>
             </a:pPr>
             <a:r>
-              <a:rPr kumimoji="0" lang="en-US" sz="1400" b="1" i="0" u="none" strike="noStrike" kern="0" cap="none" spc="0" normalizeH="0" baseline="0" noProof="0" dirty="0">
+              <a:rPr kumimoji="0" lang="en-US" sz="1200" b="1" i="0" u="none" strike="noStrike" kern="0" cap="none" spc="0" normalizeH="0" baseline="0" noProof="0" dirty="0">
                 <a:ln>
                   <a:noFill/>
                 </a:ln>
                 <a:solidFill>
-                  <a:schemeClr val="accent2"/>
+                  <a:schemeClr val="accent5"/>
                 </a:solidFill>
                 <a:effectLst/>
                 <a:uLnTx/>
                 <a:uFillTx/>
                 <a:latin typeface="Helvetica" pitchFamily="2" charset="0"/>
               </a:rPr>
-              <a:t>(8)</a:t>
+              <a:t>(7)</a:t>
             </a:r>
           </a:p>
         </p:txBody>
@@ -6196,8 +6163,8 @@
         </p:nvSpPr>
         <p:spPr>
           <a:xfrm>
-            <a:off x="9737628" y="2963409"/>
-            <a:ext cx="440691" cy="307777"/>
+            <a:off x="9483290" y="2900308"/>
+            <a:ext cx="440691" cy="276999"/>
           </a:xfrm>
           <a:prstGeom prst="rect">
             <a:avLst/>
@@ -6228,19 +6195,19 @@
               <a:defRPr/>
             </a:pPr>
             <a:r>
-              <a:rPr kumimoji="0" lang="en-US" sz="1400" b="1" i="0" u="none" strike="noStrike" kern="0" cap="none" spc="0" normalizeH="0" baseline="0" noProof="0" dirty="0">
+              <a:rPr kumimoji="0" lang="en-US" sz="1200" b="1" i="0" u="none" strike="noStrike" kern="0" cap="none" spc="0" normalizeH="0" baseline="0" noProof="0" dirty="0">
                 <a:ln>
                   <a:noFill/>
                 </a:ln>
                 <a:solidFill>
-                  <a:schemeClr val="accent5"/>
+                  <a:schemeClr val="accent2"/>
                 </a:solidFill>
                 <a:effectLst/>
                 <a:uLnTx/>
                 <a:uFillTx/>
                 <a:latin typeface="Helvetica" pitchFamily="2" charset="0"/>
               </a:rPr>
-              <a:t>(7)</a:t>
+              <a:t>(8)</a:t>
             </a:r>
           </a:p>
         </p:txBody>
@@ -6295,746 +6262,2948 @@
           </a:p>
         </p:txBody>
       </p:sp>
-      <p:grpSp>
-        <p:nvGrpSpPr>
-          <p:cNvPr id="8" name="Group 7">
-            <a:extLst>
-              <a:ext uri="{FF2B5EF4-FFF2-40B4-BE49-F238E27FC236}">
-                <a16:creationId xmlns:a16="http://schemas.microsoft.com/office/drawing/2014/main" id="{B4854258-4BDB-1697-FC6A-82D0B70891D4}"/>
-              </a:ext>
-            </a:extLst>
-          </p:cNvPr>
-          <p:cNvGrpSpPr/>
+      <p:sp>
+        <p:nvSpPr>
+          <p:cNvPr id="16" name="Rectangle 15">
+            <a:extLst>
+              <a:ext uri="{FF2B5EF4-FFF2-40B4-BE49-F238E27FC236}">
+                <a16:creationId xmlns:a16="http://schemas.microsoft.com/office/drawing/2014/main" id="{46FD8084-775F-4A53-1E38-757821F5DCC5}"/>
+              </a:ext>
+            </a:extLst>
+          </p:cNvPr>
+          <p:cNvSpPr/>
           <p:nvPr/>
-        </p:nvGrpSpPr>
-        <p:grpSpPr>
+        </p:nvSpPr>
+        <p:spPr>
           <a:xfrm>
-            <a:off x="905060" y="1768207"/>
-            <a:ext cx="10381880" cy="762228"/>
-            <a:chOff x="881863" y="5404148"/>
-            <a:chExt cx="10381880" cy="762228"/>
+            <a:off x="3011711" y="1773058"/>
+            <a:ext cx="1639062" cy="754380"/>
           </a:xfrm>
-        </p:grpSpPr>
-        <p:sp>
-          <p:nvSpPr>
-            <p:cNvPr id="16" name="Rectangle 15">
-              <a:extLst>
-                <a:ext uri="{FF2B5EF4-FFF2-40B4-BE49-F238E27FC236}">
-                  <a16:creationId xmlns:a16="http://schemas.microsoft.com/office/drawing/2014/main" id="{46FD8084-775F-4A53-1E38-757821F5DCC5}"/>
-                </a:ext>
-              </a:extLst>
-            </p:cNvPr>
-            <p:cNvSpPr/>
-            <p:nvPr/>
-          </p:nvSpPr>
-          <p:spPr>
-            <a:xfrm>
-              <a:off x="2988514" y="5408999"/>
-              <a:ext cx="1639062" cy="754380"/>
-            </a:xfrm>
-            <a:prstGeom prst="rect">
-              <a:avLst/>
-            </a:prstGeom>
+          <a:prstGeom prst="rect">
+            <a:avLst/>
+          </a:prstGeom>
+          <a:solidFill>
+            <a:srgbClr val="418EDF">
+              <a:lumMod val="20000"/>
+              <a:lumOff val="80000"/>
+            </a:srgbClr>
+          </a:solidFill>
+          <a:ln w="28575" cap="flat" cmpd="sng" algn="ctr">
             <a:solidFill>
-              <a:srgbClr val="418EDF">
-                <a:lumMod val="20000"/>
-                <a:lumOff val="80000"/>
-              </a:srgbClr>
+              <a:srgbClr val="002D72"/>
             </a:solidFill>
-            <a:ln w="28575" cap="flat" cmpd="sng" algn="ctr">
-              <a:solidFill>
-                <a:srgbClr val="002D72"/>
-              </a:solidFill>
-              <a:prstDash val="solid"/>
-              <a:miter lim="800000"/>
-            </a:ln>
-            <a:effectLst/>
-          </p:spPr>
-          <p:txBody>
-            <a:bodyPr rtlCol="0" anchor="ctr"/>
-            <a:lstStyle/>
-            <a:p>
-              <a:pPr marL="0" marR="0" lvl="0" indent="0" algn="ctr" defTabSz="685783" eaLnBrk="1" fontAlgn="auto" latinLnBrk="0" hangingPunct="1">
-                <a:lnSpc>
-                  <a:spcPct val="100000"/>
-                </a:lnSpc>
-                <a:spcBef>
-                  <a:spcPts val="0"/>
-                </a:spcBef>
-                <a:spcAft>
-                  <a:spcPts val="0"/>
-                </a:spcAft>
-                <a:buClrTx/>
-                <a:buSzTx/>
-                <a:buFontTx/>
-                <a:buNone/>
-                <a:tabLst/>
-                <a:defRPr/>
-              </a:pPr>
-              <a:r>
-                <a:rPr kumimoji="0" lang="en-US" sz="1600" b="0" i="0" u="none" strike="noStrike" kern="0" cap="none" spc="0" normalizeH="0" baseline="0" noProof="0" dirty="0">
-                  <a:ln>
-                    <a:noFill/>
-                  </a:ln>
-                  <a:solidFill>
-                    <a:prstClr val="black"/>
-                  </a:solidFill>
-                  <a:effectLst/>
-                  <a:uLnTx/>
-                  <a:uFillTx/>
-                  <a:latin typeface="Helvetica" pitchFamily="2" charset="0"/>
-                  <a:cs typeface="Arial" panose="020B0604020202020204" pitchFamily="34" charset="0"/>
-                </a:rPr>
-                <a:t>HIV-positive, Undiagnosed</a:t>
-              </a:r>
-            </a:p>
-          </p:txBody>
-        </p:sp>
-        <p:sp>
-          <p:nvSpPr>
-            <p:cNvPr id="17" name="Rectangle 16">
-              <a:extLst>
-                <a:ext uri="{FF2B5EF4-FFF2-40B4-BE49-F238E27FC236}">
-                  <a16:creationId xmlns:a16="http://schemas.microsoft.com/office/drawing/2014/main" id="{03EA0135-0CC8-09D7-1C0C-22800D79B210}"/>
-                </a:ext>
-              </a:extLst>
-            </p:cNvPr>
-            <p:cNvSpPr/>
-            <p:nvPr/>
-          </p:nvSpPr>
-          <p:spPr>
-            <a:xfrm>
-              <a:off x="7371212" y="5411996"/>
-              <a:ext cx="1639062" cy="754380"/>
-            </a:xfrm>
-            <a:prstGeom prst="rect">
-              <a:avLst/>
-            </a:prstGeom>
+            <a:prstDash val="solid"/>
+            <a:miter lim="800000"/>
+          </a:ln>
+          <a:effectLst/>
+        </p:spPr>
+        <p:txBody>
+          <a:bodyPr rtlCol="0" anchor="ctr"/>
+          <a:lstStyle/>
+          <a:p>
+            <a:pPr marL="0" marR="0" lvl="0" indent="0" algn="ctr" defTabSz="685783" eaLnBrk="1" fontAlgn="auto" latinLnBrk="0" hangingPunct="1">
+              <a:lnSpc>
+                <a:spcPct val="100000"/>
+              </a:lnSpc>
+              <a:spcBef>
+                <a:spcPts val="0"/>
+              </a:spcBef>
+              <a:spcAft>
+                <a:spcPts val="0"/>
+              </a:spcAft>
+              <a:buClrTx/>
+              <a:buSzTx/>
+              <a:buFontTx/>
+              <a:buNone/>
+              <a:tabLst/>
+              <a:defRPr/>
+            </a:pPr>
+            <a:r>
+              <a:rPr kumimoji="0" lang="en-US" sz="1600" b="0" i="0" u="none" strike="noStrike" kern="0" cap="none" spc="0" normalizeH="0" baseline="0" noProof="0" dirty="0">
+                <a:ln>
+                  <a:noFill/>
+                </a:ln>
+                <a:solidFill>
+                  <a:prstClr val="black"/>
+                </a:solidFill>
+                <a:effectLst/>
+                <a:uLnTx/>
+                <a:uFillTx/>
+                <a:latin typeface="Helvetica" pitchFamily="2" charset="0"/>
+                <a:cs typeface="Arial" panose="020B0604020202020204" pitchFamily="34" charset="0"/>
+              </a:rPr>
+              <a:t>HIV-positive, Undiagnosed</a:t>
+            </a:r>
+          </a:p>
+        </p:txBody>
+      </p:sp>
+      <p:sp>
+        <p:nvSpPr>
+          <p:cNvPr id="18" name="Rectangle 17">
+            <a:extLst>
+              <a:ext uri="{FF2B5EF4-FFF2-40B4-BE49-F238E27FC236}">
+                <a16:creationId xmlns:a16="http://schemas.microsoft.com/office/drawing/2014/main" id="{C7ECBB83-290E-23D7-1C8B-3472F8399849}"/>
+              </a:ext>
+            </a:extLst>
+          </p:cNvPr>
+          <p:cNvSpPr/>
+          <p:nvPr/>
+        </p:nvSpPr>
+        <p:spPr>
+          <a:xfrm>
+            <a:off x="905060" y="1773058"/>
+            <a:ext cx="1639062" cy="754380"/>
+          </a:xfrm>
+          <a:prstGeom prst="rect">
+            <a:avLst/>
+          </a:prstGeom>
+          <a:solidFill>
+            <a:srgbClr val="418EDF">
+              <a:lumMod val="20000"/>
+              <a:lumOff val="80000"/>
+            </a:srgbClr>
+          </a:solidFill>
+          <a:ln w="28575" cap="flat" cmpd="sng" algn="ctr">
             <a:solidFill>
-              <a:srgbClr val="418EDF">
-                <a:lumMod val="20000"/>
-                <a:lumOff val="80000"/>
-              </a:srgbClr>
+              <a:srgbClr val="002D72"/>
             </a:solidFill>
-            <a:ln w="28575" cap="flat" cmpd="sng" algn="ctr">
-              <a:solidFill>
-                <a:srgbClr val="002D72"/>
-              </a:solidFill>
-              <a:prstDash val="solid"/>
-              <a:miter lim="800000"/>
-            </a:ln>
-            <a:effectLst/>
-          </p:spPr>
-          <p:txBody>
-            <a:bodyPr rtlCol="0" anchor="ctr"/>
-            <a:lstStyle/>
-            <a:p>
-              <a:pPr marL="0" marR="0" lvl="0" indent="0" algn="ctr" defTabSz="685783" eaLnBrk="1" fontAlgn="auto" latinLnBrk="0" hangingPunct="1">
-                <a:lnSpc>
-                  <a:spcPct val="100000"/>
-                </a:lnSpc>
-                <a:spcBef>
-                  <a:spcPts val="0"/>
-                </a:spcBef>
-                <a:spcAft>
-                  <a:spcPts val="0"/>
-                </a:spcAft>
-                <a:buClrTx/>
-                <a:buSzTx/>
-                <a:buFontTx/>
-                <a:buNone/>
-                <a:tabLst/>
-                <a:defRPr/>
-              </a:pPr>
-              <a:r>
-                <a:rPr kumimoji="0" lang="en-US" sz="1600" b="0" i="0" u="none" strike="noStrike" kern="0" cap="none" spc="0" normalizeH="0" baseline="0" noProof="0" dirty="0">
-                  <a:ln>
-                    <a:noFill/>
-                  </a:ln>
-                  <a:solidFill>
-                    <a:prstClr val="black"/>
-                  </a:solidFill>
-                  <a:effectLst/>
-                  <a:uLnTx/>
-                  <a:uFillTx/>
-                  <a:latin typeface="Helvetica" pitchFamily="2" charset="0"/>
-                  <a:cs typeface="Arial" panose="020B0604020202020204" pitchFamily="34" charset="0"/>
-                </a:rPr>
-                <a:t>Engaged,</a:t>
-              </a:r>
-            </a:p>
-            <a:p>
-              <a:pPr marL="0" marR="0" lvl="0" indent="0" algn="ctr" defTabSz="685783" eaLnBrk="1" fontAlgn="auto" latinLnBrk="0" hangingPunct="1">
-                <a:lnSpc>
-                  <a:spcPct val="100000"/>
-                </a:lnSpc>
-                <a:spcBef>
-                  <a:spcPts val="0"/>
-                </a:spcBef>
-                <a:spcAft>
-                  <a:spcPts val="0"/>
-                </a:spcAft>
-                <a:buClrTx/>
-                <a:buSzTx/>
-                <a:buFontTx/>
-                <a:buNone/>
-                <a:tabLst/>
-                <a:defRPr/>
-              </a:pPr>
-              <a:r>
-                <a:rPr kumimoji="0" lang="en-US" sz="1600" b="0" i="0" u="none" strike="noStrike" kern="0" cap="none" spc="0" normalizeH="0" baseline="0" noProof="0" dirty="0">
-                  <a:ln>
-                    <a:noFill/>
-                  </a:ln>
-                  <a:solidFill>
-                    <a:prstClr val="black"/>
-                  </a:solidFill>
-                  <a:effectLst/>
-                  <a:uLnTx/>
-                  <a:uFillTx/>
-                  <a:latin typeface="Helvetica" pitchFamily="2" charset="0"/>
-                  <a:cs typeface="Arial" panose="020B0604020202020204" pitchFamily="34" charset="0"/>
-                </a:rPr>
-                <a:t>Unsuppressed</a:t>
-              </a:r>
-            </a:p>
-          </p:txBody>
-        </p:sp>
-        <p:sp>
-          <p:nvSpPr>
-            <p:cNvPr id="18" name="Rectangle 17">
-              <a:extLst>
-                <a:ext uri="{FF2B5EF4-FFF2-40B4-BE49-F238E27FC236}">
-                  <a16:creationId xmlns:a16="http://schemas.microsoft.com/office/drawing/2014/main" id="{C7ECBB83-290E-23D7-1C8B-3472F8399849}"/>
-                </a:ext>
-              </a:extLst>
-            </p:cNvPr>
-            <p:cNvSpPr/>
-            <p:nvPr/>
-          </p:nvSpPr>
-          <p:spPr>
-            <a:xfrm>
-              <a:off x="881863" y="5408999"/>
-              <a:ext cx="1639062" cy="754380"/>
-            </a:xfrm>
-            <a:prstGeom prst="rect">
-              <a:avLst/>
-            </a:prstGeom>
+            <a:prstDash val="solid"/>
+            <a:miter lim="800000"/>
+          </a:ln>
+          <a:effectLst/>
+        </p:spPr>
+        <p:txBody>
+          <a:bodyPr rtlCol="0" anchor="ctr"/>
+          <a:lstStyle/>
+          <a:p>
+            <a:pPr marL="0" marR="0" lvl="0" indent="0" algn="ctr" defTabSz="685783" eaLnBrk="1" fontAlgn="auto" latinLnBrk="0" hangingPunct="1">
+              <a:lnSpc>
+                <a:spcPct val="100000"/>
+              </a:lnSpc>
+              <a:spcBef>
+                <a:spcPts val="0"/>
+              </a:spcBef>
+              <a:spcAft>
+                <a:spcPts val="0"/>
+              </a:spcAft>
+              <a:buClrTx/>
+              <a:buSzTx/>
+              <a:buFontTx/>
+              <a:buNone/>
+              <a:tabLst/>
+              <a:defRPr/>
+            </a:pPr>
+            <a:r>
+              <a:rPr kumimoji="0" lang="en-US" sz="1600" b="0" i="0" u="none" strike="noStrike" kern="0" cap="none" spc="0" normalizeH="0" baseline="0" noProof="0" dirty="0">
+                <a:ln>
+                  <a:noFill/>
+                </a:ln>
+                <a:solidFill>
+                  <a:srgbClr val="000000"/>
+                </a:solidFill>
+                <a:effectLst/>
+                <a:uLnTx/>
+                <a:uFillTx/>
+                <a:latin typeface="Helvetica" pitchFamily="2" charset="0"/>
+                <a:cs typeface="Arial" panose="020B0604020202020204" pitchFamily="34" charset="0"/>
+              </a:rPr>
+              <a:t>HIV-negative</a:t>
+            </a:r>
+          </a:p>
+        </p:txBody>
+      </p:sp>
+      <p:cxnSp>
+        <p:nvCxnSpPr>
+          <p:cNvPr id="20" name="Straight Arrow Connector 19">
+            <a:extLst>
+              <a:ext uri="{FF2B5EF4-FFF2-40B4-BE49-F238E27FC236}">
+                <a16:creationId xmlns:a16="http://schemas.microsoft.com/office/drawing/2014/main" id="{89A7FB8F-0A4B-5639-060A-83E520567137}"/>
+              </a:ext>
+            </a:extLst>
+          </p:cNvPr>
+          <p:cNvCxnSpPr>
+            <a:cxnSpLocks/>
+          </p:cNvCxnSpPr>
+          <p:nvPr/>
+        </p:nvCxnSpPr>
+        <p:spPr>
+          <a:xfrm flipH="1">
+            <a:off x="9032430" y="2338401"/>
+            <a:ext cx="615448" cy="0"/>
+          </a:xfrm>
+          <a:prstGeom prst="straightConnector1">
+            <a:avLst/>
+          </a:prstGeom>
+          <a:noFill/>
+          <a:ln w="38100" cap="flat" cmpd="sng" algn="ctr">
             <a:solidFill>
-              <a:srgbClr val="418EDF">
-                <a:lumMod val="20000"/>
-                <a:lumOff val="80000"/>
-              </a:srgbClr>
+              <a:srgbClr val="002D72"/>
             </a:solidFill>
-            <a:ln w="28575" cap="flat" cmpd="sng" algn="ctr">
-              <a:solidFill>
-                <a:srgbClr val="002D72"/>
-              </a:solidFill>
-              <a:prstDash val="solid"/>
-              <a:miter lim="800000"/>
-            </a:ln>
-            <a:effectLst/>
-          </p:spPr>
-          <p:txBody>
-            <a:bodyPr rtlCol="0" anchor="ctr"/>
-            <a:lstStyle/>
-            <a:p>
-              <a:pPr marL="0" marR="0" lvl="0" indent="0" algn="ctr" defTabSz="685783" eaLnBrk="1" fontAlgn="auto" latinLnBrk="0" hangingPunct="1">
-                <a:lnSpc>
-                  <a:spcPct val="100000"/>
-                </a:lnSpc>
-                <a:spcBef>
-                  <a:spcPts val="0"/>
-                </a:spcBef>
-                <a:spcAft>
-                  <a:spcPts val="0"/>
-                </a:spcAft>
-                <a:buClrTx/>
-                <a:buSzTx/>
-                <a:buFontTx/>
-                <a:buNone/>
-                <a:tabLst/>
-                <a:defRPr/>
-              </a:pPr>
-              <a:r>
-                <a:rPr kumimoji="0" lang="en-US" sz="1600" b="0" i="0" u="none" strike="noStrike" kern="0" cap="none" spc="0" normalizeH="0" baseline="0" noProof="0" dirty="0">
-                  <a:ln>
-                    <a:noFill/>
-                  </a:ln>
-                  <a:solidFill>
-                    <a:srgbClr val="000000"/>
-                  </a:solidFill>
-                  <a:effectLst/>
-                  <a:uLnTx/>
-                  <a:uFillTx/>
-                  <a:latin typeface="Helvetica" pitchFamily="2" charset="0"/>
-                  <a:cs typeface="Arial" panose="020B0604020202020204" pitchFamily="34" charset="0"/>
-                </a:rPr>
-                <a:t>HIV-negative</a:t>
-              </a:r>
-            </a:p>
-          </p:txBody>
-        </p:sp>
-        <p:cxnSp>
-          <p:nvCxnSpPr>
-            <p:cNvPr id="19" name="Straight Arrow Connector 18">
-              <a:extLst>
-                <a:ext uri="{FF2B5EF4-FFF2-40B4-BE49-F238E27FC236}">
-                  <a16:creationId xmlns:a16="http://schemas.microsoft.com/office/drawing/2014/main" id="{C2A1CBEF-F059-FE3B-CFCE-3721C54561F8}"/>
-                </a:ext>
-              </a:extLst>
-            </p:cNvPr>
-            <p:cNvCxnSpPr>
-              <a:cxnSpLocks/>
-            </p:cNvCxnSpPr>
-            <p:nvPr/>
-          </p:nvCxnSpPr>
-          <p:spPr>
-            <a:xfrm>
-              <a:off x="9009233" y="5631865"/>
-              <a:ext cx="615448" cy="0"/>
-            </a:xfrm>
-            <a:prstGeom prst="straightConnector1">
-              <a:avLst/>
-            </a:prstGeom>
-            <a:noFill/>
-            <a:ln w="38100" cap="flat" cmpd="sng" algn="ctr">
-              <a:solidFill>
-                <a:srgbClr val="002D72"/>
-              </a:solidFill>
-              <a:prstDash val="solid"/>
-              <a:tailEnd type="triangle" w="lg" len="med"/>
-            </a:ln>
-            <a:effectLst/>
-          </p:spPr>
-        </p:cxnSp>
-        <p:cxnSp>
-          <p:nvCxnSpPr>
-            <p:cNvPr id="20" name="Straight Arrow Connector 19">
-              <a:extLst>
-                <a:ext uri="{FF2B5EF4-FFF2-40B4-BE49-F238E27FC236}">
-                  <a16:creationId xmlns:a16="http://schemas.microsoft.com/office/drawing/2014/main" id="{89A7FB8F-0A4B-5639-060A-83E520567137}"/>
-                </a:ext>
-              </a:extLst>
-            </p:cNvPr>
-            <p:cNvCxnSpPr>
-              <a:cxnSpLocks/>
-            </p:cNvCxnSpPr>
-            <p:nvPr/>
-          </p:nvCxnSpPr>
-          <p:spPr>
-            <a:xfrm flipH="1">
-              <a:off x="9009233" y="5872789"/>
-              <a:ext cx="615448" cy="0"/>
-            </a:xfrm>
-            <a:prstGeom prst="straightConnector1">
-              <a:avLst/>
-            </a:prstGeom>
-            <a:noFill/>
-            <a:ln w="38100" cap="flat" cmpd="sng" algn="ctr">
-              <a:solidFill>
-                <a:srgbClr val="002D72"/>
-              </a:solidFill>
-              <a:prstDash val="solid"/>
-              <a:tailEnd type="triangle" w="lg" len="med"/>
-            </a:ln>
-            <a:effectLst/>
-          </p:spPr>
-        </p:cxnSp>
-        <p:cxnSp>
-          <p:nvCxnSpPr>
-            <p:cNvPr id="21" name="Straight Arrow Connector 20">
-              <a:extLst>
-                <a:ext uri="{FF2B5EF4-FFF2-40B4-BE49-F238E27FC236}">
-                  <a16:creationId xmlns:a16="http://schemas.microsoft.com/office/drawing/2014/main" id="{42A7FE5B-7D0D-C49D-5748-70004CCE47E7}"/>
-                </a:ext>
-              </a:extLst>
-            </p:cNvPr>
-            <p:cNvCxnSpPr>
-              <a:cxnSpLocks/>
-            </p:cNvCxnSpPr>
-            <p:nvPr/>
-          </p:nvCxnSpPr>
-          <p:spPr>
-            <a:xfrm>
-              <a:off x="6756803" y="5664419"/>
-              <a:ext cx="614408" cy="1498"/>
-            </a:xfrm>
-            <a:prstGeom prst="straightConnector1">
-              <a:avLst/>
-            </a:prstGeom>
-            <a:noFill/>
-            <a:ln w="38100" cap="flat" cmpd="sng" algn="ctr">
-              <a:solidFill>
-                <a:srgbClr val="002D72"/>
-              </a:solidFill>
-              <a:prstDash val="solid"/>
-              <a:tailEnd type="triangle" w="lg" len="med"/>
-            </a:ln>
-            <a:effectLst/>
-          </p:spPr>
-        </p:cxnSp>
-        <p:cxnSp>
-          <p:nvCxnSpPr>
-            <p:cNvPr id="22" name="Straight Arrow Connector 21">
-              <a:extLst>
-                <a:ext uri="{FF2B5EF4-FFF2-40B4-BE49-F238E27FC236}">
-                  <a16:creationId xmlns:a16="http://schemas.microsoft.com/office/drawing/2014/main" id="{FD633F77-146A-6DAB-4797-8BE5432D0590}"/>
-                </a:ext>
-              </a:extLst>
-            </p:cNvPr>
-            <p:cNvCxnSpPr>
-              <a:cxnSpLocks/>
-            </p:cNvCxnSpPr>
-            <p:nvPr/>
-          </p:nvCxnSpPr>
-          <p:spPr>
-            <a:xfrm flipH="1">
-              <a:off x="6756803" y="5872789"/>
-              <a:ext cx="614408" cy="0"/>
-            </a:xfrm>
-            <a:prstGeom prst="straightConnector1">
-              <a:avLst/>
-            </a:prstGeom>
-            <a:noFill/>
-            <a:ln w="38100" cap="flat" cmpd="sng" algn="ctr">
-              <a:solidFill>
-                <a:srgbClr val="002D72"/>
-              </a:solidFill>
-              <a:prstDash val="solid"/>
-              <a:tailEnd type="triangle" w="lg" len="med"/>
-            </a:ln>
-            <a:effectLst/>
-          </p:spPr>
-        </p:cxnSp>
-        <p:cxnSp>
-          <p:nvCxnSpPr>
-            <p:cNvPr id="23" name="Straight Arrow Connector 22">
-              <a:extLst>
-                <a:ext uri="{FF2B5EF4-FFF2-40B4-BE49-F238E27FC236}">
-                  <a16:creationId xmlns:a16="http://schemas.microsoft.com/office/drawing/2014/main" id="{0757ABEF-6D12-C81F-E610-565DD5A68AC2}"/>
-                </a:ext>
-              </a:extLst>
-            </p:cNvPr>
-            <p:cNvCxnSpPr>
-              <a:cxnSpLocks/>
-              <a:stCxn id="16" idx="3"/>
-              <a:endCxn id="25" idx="1"/>
-            </p:cNvCxnSpPr>
-            <p:nvPr/>
-          </p:nvCxnSpPr>
-          <p:spPr>
-            <a:xfrm>
-              <a:off x="4627576" y="5786189"/>
-              <a:ext cx="490166" cy="1499"/>
-            </a:xfrm>
-            <a:prstGeom prst="straightConnector1">
-              <a:avLst/>
-            </a:prstGeom>
-            <a:noFill/>
-            <a:ln w="38100" cap="flat" cmpd="sng" algn="ctr">
-              <a:solidFill>
-                <a:srgbClr val="002D72"/>
-              </a:solidFill>
-              <a:prstDash val="solid"/>
-              <a:tailEnd type="triangle" w="lg" len="med"/>
-            </a:ln>
-            <a:effectLst/>
-          </p:spPr>
-        </p:cxnSp>
-        <p:cxnSp>
-          <p:nvCxnSpPr>
-            <p:cNvPr id="24" name="Straight Arrow Connector 23">
-              <a:extLst>
-                <a:ext uri="{FF2B5EF4-FFF2-40B4-BE49-F238E27FC236}">
-                  <a16:creationId xmlns:a16="http://schemas.microsoft.com/office/drawing/2014/main" id="{CE303532-8C47-51C7-33E8-672084B98DBA}"/>
-                </a:ext>
-              </a:extLst>
-            </p:cNvPr>
-            <p:cNvCxnSpPr>
-              <a:cxnSpLocks/>
-              <a:stCxn id="18" idx="3"/>
-              <a:endCxn id="16" idx="1"/>
-            </p:cNvCxnSpPr>
-            <p:nvPr/>
-          </p:nvCxnSpPr>
-          <p:spPr>
-            <a:xfrm>
-              <a:off x="2520925" y="5786189"/>
-              <a:ext cx="467589" cy="0"/>
-            </a:xfrm>
-            <a:prstGeom prst="straightConnector1">
-              <a:avLst/>
-            </a:prstGeom>
-            <a:noFill/>
-            <a:ln w="38100" cap="flat" cmpd="sng" algn="ctr">
-              <a:solidFill>
-                <a:srgbClr val="002D72"/>
-              </a:solidFill>
-              <a:prstDash val="solid"/>
-              <a:tailEnd type="triangle" w="lg" len="med"/>
-            </a:ln>
-            <a:effectLst/>
-          </p:spPr>
-        </p:cxnSp>
-        <p:sp>
-          <p:nvSpPr>
-            <p:cNvPr id="25" name="Rectangle 24">
-              <a:extLst>
-                <a:ext uri="{FF2B5EF4-FFF2-40B4-BE49-F238E27FC236}">
-                  <a16:creationId xmlns:a16="http://schemas.microsoft.com/office/drawing/2014/main" id="{36D1DF68-89E1-FA06-43CA-5FD7DA77D58F}"/>
-                </a:ext>
-              </a:extLst>
-            </p:cNvPr>
-            <p:cNvSpPr/>
-            <p:nvPr/>
-          </p:nvSpPr>
-          <p:spPr>
-            <a:xfrm>
-              <a:off x="5117742" y="5410498"/>
-              <a:ext cx="1639062" cy="754380"/>
-            </a:xfrm>
-            <a:prstGeom prst="rect">
-              <a:avLst/>
-            </a:prstGeom>
+            <a:prstDash val="solid"/>
+            <a:tailEnd type="triangle" w="lg" len="med"/>
+          </a:ln>
+          <a:effectLst/>
+        </p:spPr>
+      </p:cxnSp>
+      <p:cxnSp>
+        <p:nvCxnSpPr>
+          <p:cNvPr id="21" name="Straight Arrow Connector 20">
+            <a:extLst>
+              <a:ext uri="{FF2B5EF4-FFF2-40B4-BE49-F238E27FC236}">
+                <a16:creationId xmlns:a16="http://schemas.microsoft.com/office/drawing/2014/main" id="{42A7FE5B-7D0D-C49D-5748-70004CCE47E7}"/>
+              </a:ext>
+            </a:extLst>
+          </p:cNvPr>
+          <p:cNvCxnSpPr>
+            <a:cxnSpLocks/>
+          </p:cNvCxnSpPr>
+          <p:nvPr/>
+        </p:nvCxnSpPr>
+        <p:spPr>
+          <a:xfrm>
+            <a:off x="6780000" y="1945350"/>
+            <a:ext cx="614408" cy="1498"/>
+          </a:xfrm>
+          <a:prstGeom prst="straightConnector1">
+            <a:avLst/>
+          </a:prstGeom>
+          <a:noFill/>
+          <a:ln w="38100" cap="flat" cmpd="sng" algn="ctr">
             <a:solidFill>
-              <a:srgbClr val="418EDF">
-                <a:lumMod val="20000"/>
-                <a:lumOff val="80000"/>
-              </a:srgbClr>
+              <a:srgbClr val="002D72"/>
             </a:solidFill>
-            <a:ln w="28575" cap="flat" cmpd="sng" algn="ctr">
-              <a:solidFill>
-                <a:srgbClr val="002D72"/>
-              </a:solidFill>
-              <a:prstDash val="solid"/>
-              <a:miter lim="800000"/>
-            </a:ln>
-            <a:effectLst/>
-          </p:spPr>
-          <p:txBody>
-            <a:bodyPr rtlCol="0" anchor="ctr"/>
-            <a:lstStyle/>
-            <a:p>
-              <a:pPr marL="0" marR="0" lvl="0" indent="0" algn="ctr" defTabSz="685783" eaLnBrk="1" fontAlgn="auto" latinLnBrk="0" hangingPunct="1">
-                <a:lnSpc>
-                  <a:spcPct val="100000"/>
-                </a:lnSpc>
-                <a:spcBef>
-                  <a:spcPts val="0"/>
-                </a:spcBef>
-                <a:spcAft>
-                  <a:spcPts val="0"/>
-                </a:spcAft>
-                <a:buClrTx/>
-                <a:buSzTx/>
-                <a:buFontTx/>
-                <a:buNone/>
-                <a:tabLst/>
-                <a:defRPr/>
-              </a:pPr>
-              <a:r>
-                <a:rPr kumimoji="0" lang="en-US" sz="1600" b="0" i="0" u="none" strike="noStrike" kern="0" cap="none" spc="0" normalizeH="0" baseline="0" noProof="0" dirty="0">
-                  <a:ln>
-                    <a:noFill/>
-                  </a:ln>
-                  <a:solidFill>
-                    <a:prstClr val="black"/>
-                  </a:solidFill>
-                  <a:effectLst/>
-                  <a:uLnTx/>
-                  <a:uFillTx/>
-                  <a:latin typeface="Helvetica" pitchFamily="2" charset="0"/>
-                  <a:cs typeface="Arial" panose="020B0604020202020204" pitchFamily="34" charset="0"/>
-                </a:rPr>
-                <a:t>Diagnosed,</a:t>
-              </a:r>
-            </a:p>
-            <a:p>
-              <a:pPr marL="0" marR="0" lvl="0" indent="0" algn="ctr" defTabSz="685783" eaLnBrk="1" fontAlgn="auto" latinLnBrk="0" hangingPunct="1">
-                <a:lnSpc>
-                  <a:spcPct val="100000"/>
-                </a:lnSpc>
-                <a:spcBef>
-                  <a:spcPts val="0"/>
-                </a:spcBef>
-                <a:spcAft>
-                  <a:spcPts val="0"/>
-                </a:spcAft>
-                <a:buClrTx/>
-                <a:buSzTx/>
-                <a:buFontTx/>
-                <a:buNone/>
-                <a:tabLst/>
-                <a:defRPr/>
-              </a:pPr>
-              <a:r>
-                <a:rPr kumimoji="0" lang="en-US" sz="1600" b="0" i="0" u="none" strike="noStrike" kern="0" cap="none" spc="0" normalizeH="0" baseline="0" noProof="0" dirty="0">
-                  <a:ln>
-                    <a:noFill/>
-                  </a:ln>
-                  <a:solidFill>
-                    <a:prstClr val="black"/>
-                  </a:solidFill>
-                  <a:effectLst/>
-                  <a:uLnTx/>
-                  <a:uFillTx/>
-                  <a:latin typeface="Helvetica" pitchFamily="2" charset="0"/>
-                  <a:cs typeface="Arial" panose="020B0604020202020204" pitchFamily="34" charset="0"/>
-                </a:rPr>
-                <a:t>Unengaged</a:t>
-              </a:r>
-            </a:p>
-          </p:txBody>
-        </p:sp>
-        <p:sp>
-          <p:nvSpPr>
-            <p:cNvPr id="26" name="Rectangle 25">
-              <a:extLst>
-                <a:ext uri="{FF2B5EF4-FFF2-40B4-BE49-F238E27FC236}">
-                  <a16:creationId xmlns:a16="http://schemas.microsoft.com/office/drawing/2014/main" id="{B919CE11-5074-9E65-F555-E157886C0B99}"/>
-                </a:ext>
-              </a:extLst>
-            </p:cNvPr>
-            <p:cNvSpPr/>
-            <p:nvPr/>
-          </p:nvSpPr>
-          <p:spPr>
-            <a:xfrm>
-              <a:off x="9624681" y="5410498"/>
-              <a:ext cx="1639062" cy="754380"/>
-            </a:xfrm>
-            <a:prstGeom prst="rect">
-              <a:avLst/>
-            </a:prstGeom>
+            <a:prstDash val="solid"/>
+            <a:tailEnd type="triangle" w="lg" len="med"/>
+          </a:ln>
+          <a:effectLst/>
+        </p:spPr>
+      </p:cxnSp>
+      <p:cxnSp>
+        <p:nvCxnSpPr>
+          <p:cNvPr id="22" name="Straight Arrow Connector 21">
+            <a:extLst>
+              <a:ext uri="{FF2B5EF4-FFF2-40B4-BE49-F238E27FC236}">
+                <a16:creationId xmlns:a16="http://schemas.microsoft.com/office/drawing/2014/main" id="{FD633F77-146A-6DAB-4797-8BE5432D0590}"/>
+              </a:ext>
+            </a:extLst>
+          </p:cNvPr>
+          <p:cNvCxnSpPr>
+            <a:cxnSpLocks/>
+          </p:cNvCxnSpPr>
+          <p:nvPr/>
+        </p:nvCxnSpPr>
+        <p:spPr>
+          <a:xfrm flipH="1">
+            <a:off x="6780000" y="2272413"/>
+            <a:ext cx="614408" cy="0"/>
+          </a:xfrm>
+          <a:prstGeom prst="straightConnector1">
+            <a:avLst/>
+          </a:prstGeom>
+          <a:noFill/>
+          <a:ln w="38100" cap="flat" cmpd="sng" algn="ctr">
             <a:solidFill>
-              <a:srgbClr val="418EDF">
-                <a:lumMod val="20000"/>
-                <a:lumOff val="80000"/>
-              </a:srgbClr>
+              <a:srgbClr val="002D72"/>
             </a:solidFill>
-            <a:ln w="28575" cap="flat" cmpd="sng" algn="ctr">
-              <a:solidFill>
-                <a:srgbClr val="002D72"/>
-              </a:solidFill>
-              <a:prstDash val="solid"/>
-              <a:miter lim="800000"/>
-            </a:ln>
-            <a:effectLst/>
-          </p:spPr>
-          <p:txBody>
-            <a:bodyPr rtlCol="0" anchor="ctr"/>
-            <a:lstStyle/>
-            <a:p>
-              <a:pPr marL="0" marR="0" lvl="0" indent="0" algn="ctr" defTabSz="685783" eaLnBrk="1" fontAlgn="auto" latinLnBrk="0" hangingPunct="1">
-                <a:lnSpc>
-                  <a:spcPct val="100000"/>
-                </a:lnSpc>
-                <a:spcBef>
-                  <a:spcPts val="0"/>
-                </a:spcBef>
-                <a:spcAft>
-                  <a:spcPts val="0"/>
-                </a:spcAft>
-                <a:buClrTx/>
-                <a:buSzTx/>
-                <a:buFontTx/>
-                <a:buNone/>
-                <a:tabLst/>
-                <a:defRPr/>
-              </a:pPr>
-              <a:r>
-                <a:rPr kumimoji="0" lang="en-US" sz="1600" b="0" i="0" u="none" strike="noStrike" kern="0" cap="none" spc="0" normalizeH="0" baseline="0" noProof="0" dirty="0">
-                  <a:ln>
-                    <a:noFill/>
-                  </a:ln>
-                  <a:solidFill>
-                    <a:prstClr val="black"/>
-                  </a:solidFill>
-                  <a:effectLst/>
-                  <a:uLnTx/>
-                  <a:uFillTx/>
-                  <a:latin typeface="Helvetica" pitchFamily="2" charset="0"/>
-                  <a:cs typeface="Arial" panose="020B0604020202020204" pitchFamily="34" charset="0"/>
-                </a:rPr>
-                <a:t>Engaged,</a:t>
-              </a:r>
-            </a:p>
-            <a:p>
-              <a:pPr marL="0" marR="0" lvl="0" indent="0" algn="ctr" defTabSz="685783" eaLnBrk="1" fontAlgn="auto" latinLnBrk="0" hangingPunct="1">
-                <a:lnSpc>
-                  <a:spcPct val="100000"/>
-                </a:lnSpc>
-                <a:spcBef>
-                  <a:spcPts val="0"/>
-                </a:spcBef>
-                <a:spcAft>
-                  <a:spcPts val="0"/>
-                </a:spcAft>
-                <a:buClrTx/>
-                <a:buSzTx/>
-                <a:buFontTx/>
-                <a:buNone/>
-                <a:tabLst/>
-                <a:defRPr/>
-              </a:pPr>
-              <a:r>
-                <a:rPr kumimoji="0" lang="en-US" sz="1600" b="0" i="0" u="none" strike="noStrike" kern="0" cap="none" spc="0" normalizeH="0" baseline="0" noProof="0" dirty="0">
-                  <a:ln>
-                    <a:noFill/>
-                  </a:ln>
-                  <a:solidFill>
-                    <a:prstClr val="black"/>
-                  </a:solidFill>
-                  <a:effectLst/>
-                  <a:uLnTx/>
-                  <a:uFillTx/>
-                  <a:latin typeface="Helvetica" pitchFamily="2" charset="0"/>
-                  <a:cs typeface="Arial" panose="020B0604020202020204" pitchFamily="34" charset="0"/>
-                </a:rPr>
-                <a:t>Suppressed</a:t>
-              </a:r>
-            </a:p>
-          </p:txBody>
-        </p:sp>
-        <p:cxnSp>
-          <p:nvCxnSpPr>
-            <p:cNvPr id="27" name="Elbow Connector 26">
-              <a:extLst>
-                <a:ext uri="{FF2B5EF4-FFF2-40B4-BE49-F238E27FC236}">
-                  <a16:creationId xmlns:a16="http://schemas.microsoft.com/office/drawing/2014/main" id="{4EE0A5A8-8655-926C-41A1-891E5721B0C2}"/>
-                </a:ext>
-              </a:extLst>
-            </p:cNvPr>
-            <p:cNvCxnSpPr/>
-            <p:nvPr/>
-          </p:nvCxnSpPr>
-          <p:spPr>
-            <a:xfrm rot="16200000" flipV="1">
-              <a:off x="8190743" y="3157028"/>
-              <a:ext cx="12700" cy="4506939"/>
-            </a:xfrm>
-            <a:prstGeom prst="bentConnector3">
-              <a:avLst>
-                <a:gd name="adj1" fmla="val 2369150"/>
-              </a:avLst>
-            </a:prstGeom>
-            <a:noFill/>
-            <a:ln w="38100" cap="flat" cmpd="sng" algn="ctr">
-              <a:solidFill>
-                <a:srgbClr val="002D72"/>
-              </a:solidFill>
-              <a:prstDash val="solid"/>
-              <a:tailEnd type="triangle"/>
-            </a:ln>
-            <a:effectLst/>
-          </p:spPr>
-        </p:cxnSp>
-      </p:grpSp>
+            <a:prstDash val="solid"/>
+            <a:tailEnd type="triangle" w="lg" len="med"/>
+          </a:ln>
+          <a:effectLst/>
+        </p:spPr>
+      </p:cxnSp>
+      <p:cxnSp>
+        <p:nvCxnSpPr>
+          <p:cNvPr id="23" name="Straight Arrow Connector 22">
+            <a:extLst>
+              <a:ext uri="{FF2B5EF4-FFF2-40B4-BE49-F238E27FC236}">
+                <a16:creationId xmlns:a16="http://schemas.microsoft.com/office/drawing/2014/main" id="{0757ABEF-6D12-C81F-E610-565DD5A68AC2}"/>
+              </a:ext>
+            </a:extLst>
+          </p:cNvPr>
+          <p:cNvCxnSpPr>
+            <a:cxnSpLocks/>
+            <a:stCxn id="16" idx="3"/>
+            <a:endCxn id="25" idx="1"/>
+          </p:cNvCxnSpPr>
+          <p:nvPr/>
+        </p:nvCxnSpPr>
+        <p:spPr>
+          <a:xfrm>
+            <a:off x="4650773" y="2150248"/>
+            <a:ext cx="490166" cy="1499"/>
+          </a:xfrm>
+          <a:prstGeom prst="straightConnector1">
+            <a:avLst/>
+          </a:prstGeom>
+          <a:noFill/>
+          <a:ln w="38100" cap="flat" cmpd="sng" algn="ctr">
+            <a:solidFill>
+              <a:srgbClr val="002D72"/>
+            </a:solidFill>
+            <a:prstDash val="solid"/>
+            <a:tailEnd type="triangle" w="lg" len="med"/>
+          </a:ln>
+          <a:effectLst/>
+        </p:spPr>
+      </p:cxnSp>
+      <p:cxnSp>
+        <p:nvCxnSpPr>
+          <p:cNvPr id="24" name="Straight Arrow Connector 23">
+            <a:extLst>
+              <a:ext uri="{FF2B5EF4-FFF2-40B4-BE49-F238E27FC236}">
+                <a16:creationId xmlns:a16="http://schemas.microsoft.com/office/drawing/2014/main" id="{CE303532-8C47-51C7-33E8-672084B98DBA}"/>
+              </a:ext>
+            </a:extLst>
+          </p:cNvPr>
+          <p:cNvCxnSpPr>
+            <a:cxnSpLocks/>
+            <a:stCxn id="18" idx="3"/>
+            <a:endCxn id="16" idx="1"/>
+          </p:cNvCxnSpPr>
+          <p:nvPr/>
+        </p:nvCxnSpPr>
+        <p:spPr>
+          <a:xfrm>
+            <a:off x="2544122" y="2150248"/>
+            <a:ext cx="467589" cy="0"/>
+          </a:xfrm>
+          <a:prstGeom prst="straightConnector1">
+            <a:avLst/>
+          </a:prstGeom>
+          <a:noFill/>
+          <a:ln w="38100" cap="flat" cmpd="sng" algn="ctr">
+            <a:solidFill>
+              <a:srgbClr val="002D72"/>
+            </a:solidFill>
+            <a:prstDash val="solid"/>
+            <a:tailEnd type="triangle" w="lg" len="med"/>
+          </a:ln>
+          <a:effectLst/>
+        </p:spPr>
+      </p:cxnSp>
+      <p:cxnSp>
+        <p:nvCxnSpPr>
+          <p:cNvPr id="27" name="Elbow Connector 26">
+            <a:extLst>
+              <a:ext uri="{FF2B5EF4-FFF2-40B4-BE49-F238E27FC236}">
+                <a16:creationId xmlns:a16="http://schemas.microsoft.com/office/drawing/2014/main" id="{4EE0A5A8-8655-926C-41A1-891E5721B0C2}"/>
+              </a:ext>
+            </a:extLst>
+          </p:cNvPr>
+          <p:cNvCxnSpPr/>
+          <p:nvPr/>
+        </p:nvCxnSpPr>
+        <p:spPr>
+          <a:xfrm rot="16200000" flipV="1">
+            <a:off x="8213940" y="-478913"/>
+            <a:ext cx="12700" cy="4506939"/>
+          </a:xfrm>
+          <a:prstGeom prst="bentConnector3">
+            <a:avLst>
+              <a:gd name="adj1" fmla="val 2369150"/>
+            </a:avLst>
+          </a:prstGeom>
+          <a:noFill/>
+          <a:ln w="38100" cap="flat" cmpd="sng" algn="ctr">
+            <a:solidFill>
+              <a:srgbClr val="002D72"/>
+            </a:solidFill>
+            <a:prstDash val="solid"/>
+            <a:tailEnd type="triangle"/>
+          </a:ln>
+          <a:effectLst/>
+        </p:spPr>
+      </p:cxnSp>
+      <p:cxnSp>
+        <p:nvCxnSpPr>
+          <p:cNvPr id="33" name="Straight Arrow Connector 32">
+            <a:extLst>
+              <a:ext uri="{FF2B5EF4-FFF2-40B4-BE49-F238E27FC236}">
+                <a16:creationId xmlns:a16="http://schemas.microsoft.com/office/drawing/2014/main" id="{3F4C681A-0468-2905-B8B6-5E9F0CBC513C}"/>
+              </a:ext>
+            </a:extLst>
+          </p:cNvPr>
+          <p:cNvCxnSpPr>
+            <a:cxnSpLocks/>
+          </p:cNvCxnSpPr>
+          <p:nvPr/>
+        </p:nvCxnSpPr>
+        <p:spPr>
+          <a:xfrm>
+            <a:off x="9032430" y="2091955"/>
+            <a:ext cx="608057" cy="1833"/>
+          </a:xfrm>
+          <a:prstGeom prst="straightConnector1">
+            <a:avLst/>
+          </a:prstGeom>
+          <a:noFill/>
+          <a:ln w="38100" cap="flat" cmpd="sng" algn="ctr">
+            <a:solidFill>
+              <a:schemeClr val="accent2"/>
+            </a:solidFill>
+            <a:prstDash val="sysDot"/>
+            <a:tailEnd type="triangle" w="lg" len="med"/>
+          </a:ln>
+          <a:effectLst/>
+        </p:spPr>
+      </p:cxnSp>
+      <p:cxnSp>
+        <p:nvCxnSpPr>
+          <p:cNvPr id="41" name="Straight Arrow Connector 40">
+            <a:extLst>
+              <a:ext uri="{FF2B5EF4-FFF2-40B4-BE49-F238E27FC236}">
+                <a16:creationId xmlns:a16="http://schemas.microsoft.com/office/drawing/2014/main" id="{46D89292-984C-251F-6A5A-481E3718CA38}"/>
+              </a:ext>
+            </a:extLst>
+          </p:cNvPr>
+          <p:cNvCxnSpPr>
+            <a:cxnSpLocks/>
+          </p:cNvCxnSpPr>
+          <p:nvPr/>
+        </p:nvCxnSpPr>
+        <p:spPr>
+          <a:xfrm flipH="1">
+            <a:off x="9039821" y="2527438"/>
+            <a:ext cx="1199445" cy="786356"/>
+          </a:xfrm>
+          <a:prstGeom prst="straightConnector1">
+            <a:avLst/>
+          </a:prstGeom>
+          <a:noFill/>
+          <a:ln w="38100" cap="flat" cmpd="sng" algn="ctr">
+            <a:solidFill>
+              <a:schemeClr val="accent5"/>
+            </a:solidFill>
+            <a:prstDash val="solid"/>
+            <a:tailEnd type="triangle" w="lg" len="med"/>
+          </a:ln>
+          <a:effectLst/>
+        </p:spPr>
+      </p:cxnSp>
+      <p:sp>
+        <p:nvSpPr>
+          <p:cNvPr id="26" name="Rectangle 25">
+            <a:extLst>
+              <a:ext uri="{FF2B5EF4-FFF2-40B4-BE49-F238E27FC236}">
+                <a16:creationId xmlns:a16="http://schemas.microsoft.com/office/drawing/2014/main" id="{B919CE11-5074-9E65-F555-E157886C0B99}"/>
+              </a:ext>
+            </a:extLst>
+          </p:cNvPr>
+          <p:cNvSpPr/>
+          <p:nvPr/>
+        </p:nvSpPr>
+        <p:spPr>
+          <a:xfrm>
+            <a:off x="9647878" y="1774557"/>
+            <a:ext cx="1639062" cy="754380"/>
+          </a:xfrm>
+          <a:prstGeom prst="rect">
+            <a:avLst/>
+          </a:prstGeom>
+          <a:solidFill>
+            <a:srgbClr val="418EDF">
+              <a:lumMod val="20000"/>
+              <a:lumOff val="80000"/>
+            </a:srgbClr>
+          </a:solidFill>
+          <a:ln w="28575" cap="flat" cmpd="sng" algn="ctr">
+            <a:solidFill>
+              <a:srgbClr val="002D72"/>
+            </a:solidFill>
+            <a:prstDash val="solid"/>
+            <a:miter lim="800000"/>
+          </a:ln>
+          <a:effectLst/>
+        </p:spPr>
+        <p:txBody>
+          <a:bodyPr rtlCol="0" anchor="ctr"/>
+          <a:lstStyle/>
+          <a:p>
+            <a:pPr marL="0" marR="0" lvl="0" indent="0" algn="ctr" defTabSz="685783" eaLnBrk="1" fontAlgn="auto" latinLnBrk="0" hangingPunct="1">
+              <a:lnSpc>
+                <a:spcPct val="100000"/>
+              </a:lnSpc>
+              <a:spcBef>
+                <a:spcPts val="0"/>
+              </a:spcBef>
+              <a:spcAft>
+                <a:spcPts val="0"/>
+              </a:spcAft>
+              <a:buClrTx/>
+              <a:buSzTx/>
+              <a:buFontTx/>
+              <a:buNone/>
+              <a:tabLst/>
+              <a:defRPr/>
+            </a:pPr>
+            <a:r>
+              <a:rPr kumimoji="0" lang="en-US" sz="1600" b="0" i="0" u="none" strike="noStrike" kern="0" cap="none" spc="0" normalizeH="0" baseline="0" noProof="0" dirty="0">
+                <a:ln>
+                  <a:noFill/>
+                </a:ln>
+                <a:solidFill>
+                  <a:prstClr val="black"/>
+                </a:solidFill>
+                <a:effectLst/>
+                <a:uLnTx/>
+                <a:uFillTx/>
+                <a:latin typeface="Helvetica" pitchFamily="2" charset="0"/>
+                <a:cs typeface="Arial" panose="020B0604020202020204" pitchFamily="34" charset="0"/>
+              </a:rPr>
+              <a:t>Engaged,</a:t>
+            </a:r>
+          </a:p>
+          <a:p>
+            <a:pPr marL="0" marR="0" lvl="0" indent="0" algn="ctr" defTabSz="685783" eaLnBrk="1" fontAlgn="auto" latinLnBrk="0" hangingPunct="1">
+              <a:lnSpc>
+                <a:spcPct val="100000"/>
+              </a:lnSpc>
+              <a:spcBef>
+                <a:spcPts val="0"/>
+              </a:spcBef>
+              <a:spcAft>
+                <a:spcPts val="0"/>
+              </a:spcAft>
+              <a:buClrTx/>
+              <a:buSzTx/>
+              <a:buFontTx/>
+              <a:buNone/>
+              <a:tabLst/>
+              <a:defRPr/>
+            </a:pPr>
+            <a:r>
+              <a:rPr kumimoji="0" lang="en-US" sz="1600" b="0" i="0" u="none" strike="noStrike" kern="0" cap="none" spc="0" normalizeH="0" baseline="0" noProof="0" dirty="0">
+                <a:ln>
+                  <a:noFill/>
+                </a:ln>
+                <a:solidFill>
+                  <a:prstClr val="black"/>
+                </a:solidFill>
+                <a:effectLst/>
+                <a:uLnTx/>
+                <a:uFillTx/>
+                <a:latin typeface="Helvetica" pitchFamily="2" charset="0"/>
+                <a:cs typeface="Arial" panose="020B0604020202020204" pitchFamily="34" charset="0"/>
+              </a:rPr>
+              <a:t>Suppressed</a:t>
+            </a:r>
+          </a:p>
+        </p:txBody>
+      </p:sp>
+      <p:cxnSp>
+        <p:nvCxnSpPr>
+          <p:cNvPr id="19" name="Straight Arrow Connector 18">
+            <a:extLst>
+              <a:ext uri="{FF2B5EF4-FFF2-40B4-BE49-F238E27FC236}">
+                <a16:creationId xmlns:a16="http://schemas.microsoft.com/office/drawing/2014/main" id="{C2A1CBEF-F059-FE3B-CFCE-3721C54561F8}"/>
+              </a:ext>
+            </a:extLst>
+          </p:cNvPr>
+          <p:cNvCxnSpPr>
+            <a:cxnSpLocks/>
+          </p:cNvCxnSpPr>
+          <p:nvPr/>
+        </p:nvCxnSpPr>
+        <p:spPr>
+          <a:xfrm>
+            <a:off x="9032430" y="1954360"/>
+            <a:ext cx="615448" cy="0"/>
+          </a:xfrm>
+          <a:prstGeom prst="straightConnector1">
+            <a:avLst/>
+          </a:prstGeom>
+          <a:noFill/>
+          <a:ln w="38100" cap="flat" cmpd="sng" algn="ctr">
+            <a:solidFill>
+              <a:srgbClr val="002D72"/>
+            </a:solidFill>
+            <a:prstDash val="solid"/>
+            <a:tailEnd type="triangle" w="lg" len="med"/>
+          </a:ln>
+          <a:effectLst/>
+        </p:spPr>
+      </p:cxnSp>
+      <p:cxnSp>
+        <p:nvCxnSpPr>
+          <p:cNvPr id="56" name="Straight Arrow Connector 55">
+            <a:extLst>
+              <a:ext uri="{FF2B5EF4-FFF2-40B4-BE49-F238E27FC236}">
+                <a16:creationId xmlns:a16="http://schemas.microsoft.com/office/drawing/2014/main" id="{74932E75-F4DE-55C9-CD47-793137F7218B}"/>
+              </a:ext>
+            </a:extLst>
+          </p:cNvPr>
+          <p:cNvCxnSpPr>
+            <a:cxnSpLocks/>
+          </p:cNvCxnSpPr>
+          <p:nvPr/>
+        </p:nvCxnSpPr>
+        <p:spPr>
+          <a:xfrm>
+            <a:off x="9032430" y="2225065"/>
+            <a:ext cx="608057" cy="1833"/>
+          </a:xfrm>
+          <a:prstGeom prst="straightConnector1">
+            <a:avLst/>
+          </a:prstGeom>
+          <a:noFill/>
+          <a:ln w="38100" cap="flat" cmpd="sng" algn="ctr">
+            <a:solidFill>
+              <a:srgbClr val="00B050"/>
+            </a:solidFill>
+            <a:prstDash val="sysDot"/>
+            <a:tailEnd type="triangle" w="lg" len="med"/>
+          </a:ln>
+          <a:effectLst/>
+        </p:spPr>
+      </p:cxnSp>
+      <p:cxnSp>
+        <p:nvCxnSpPr>
+          <p:cNvPr id="63" name="Straight Arrow Connector 62">
+            <a:extLst>
+              <a:ext uri="{FF2B5EF4-FFF2-40B4-BE49-F238E27FC236}">
+                <a16:creationId xmlns:a16="http://schemas.microsoft.com/office/drawing/2014/main" id="{3B0F3507-4DE8-9836-7A86-7B525C1E2682}"/>
+              </a:ext>
+            </a:extLst>
+          </p:cNvPr>
+          <p:cNvCxnSpPr>
+            <a:cxnSpLocks/>
+          </p:cNvCxnSpPr>
+          <p:nvPr/>
+        </p:nvCxnSpPr>
+        <p:spPr>
+          <a:xfrm>
+            <a:off x="6780000" y="2113447"/>
+            <a:ext cx="608057" cy="1833"/>
+          </a:xfrm>
+          <a:prstGeom prst="straightConnector1">
+            <a:avLst/>
+          </a:prstGeom>
+          <a:noFill/>
+          <a:ln w="38100" cap="flat" cmpd="sng" algn="ctr">
+            <a:solidFill>
+              <a:srgbClr val="00B050"/>
+            </a:solidFill>
+            <a:prstDash val="sysDot"/>
+            <a:tailEnd type="triangle" w="lg" len="med"/>
+          </a:ln>
+          <a:effectLst/>
+        </p:spPr>
+      </p:cxnSp>
+      <p:sp>
+        <p:nvSpPr>
+          <p:cNvPr id="17" name="Rectangle 16">
+            <a:extLst>
+              <a:ext uri="{FF2B5EF4-FFF2-40B4-BE49-F238E27FC236}">
+                <a16:creationId xmlns:a16="http://schemas.microsoft.com/office/drawing/2014/main" id="{03EA0135-0CC8-09D7-1C0C-22800D79B210}"/>
+              </a:ext>
+            </a:extLst>
+          </p:cNvPr>
+          <p:cNvSpPr/>
+          <p:nvPr/>
+        </p:nvSpPr>
+        <p:spPr>
+          <a:xfrm>
+            <a:off x="7394409" y="1776055"/>
+            <a:ext cx="1639062" cy="754380"/>
+          </a:xfrm>
+          <a:prstGeom prst="rect">
+            <a:avLst/>
+          </a:prstGeom>
+          <a:solidFill>
+            <a:srgbClr val="418EDF">
+              <a:lumMod val="20000"/>
+              <a:lumOff val="80000"/>
+            </a:srgbClr>
+          </a:solidFill>
+          <a:ln w="28575" cap="flat" cmpd="sng" algn="ctr">
+            <a:solidFill>
+              <a:srgbClr val="002D72"/>
+            </a:solidFill>
+            <a:prstDash val="solid"/>
+            <a:miter lim="800000"/>
+          </a:ln>
+          <a:effectLst/>
+        </p:spPr>
+        <p:txBody>
+          <a:bodyPr rtlCol="0" anchor="ctr"/>
+          <a:lstStyle/>
+          <a:p>
+            <a:pPr marL="0" marR="0" lvl="0" indent="0" algn="ctr" defTabSz="685783" eaLnBrk="1" fontAlgn="auto" latinLnBrk="0" hangingPunct="1">
+              <a:lnSpc>
+                <a:spcPct val="100000"/>
+              </a:lnSpc>
+              <a:spcBef>
+                <a:spcPts val="0"/>
+              </a:spcBef>
+              <a:spcAft>
+                <a:spcPts val="0"/>
+              </a:spcAft>
+              <a:buClrTx/>
+              <a:buSzTx/>
+              <a:buFontTx/>
+              <a:buNone/>
+              <a:tabLst/>
+              <a:defRPr/>
+            </a:pPr>
+            <a:r>
+              <a:rPr kumimoji="0" lang="en-US" sz="1600" b="0" i="0" u="none" strike="noStrike" kern="0" cap="none" spc="0" normalizeH="0" baseline="0" noProof="0" dirty="0">
+                <a:ln>
+                  <a:noFill/>
+                </a:ln>
+                <a:solidFill>
+                  <a:prstClr val="black"/>
+                </a:solidFill>
+                <a:effectLst/>
+                <a:uLnTx/>
+                <a:uFillTx/>
+                <a:latin typeface="Helvetica" pitchFamily="2" charset="0"/>
+                <a:cs typeface="Arial" panose="020B0604020202020204" pitchFamily="34" charset="0"/>
+              </a:rPr>
+              <a:t>Engaged,</a:t>
+            </a:r>
+          </a:p>
+          <a:p>
+            <a:pPr marL="0" marR="0" lvl="0" indent="0" algn="ctr" defTabSz="685783" eaLnBrk="1" fontAlgn="auto" latinLnBrk="0" hangingPunct="1">
+              <a:lnSpc>
+                <a:spcPct val="100000"/>
+              </a:lnSpc>
+              <a:spcBef>
+                <a:spcPts val="0"/>
+              </a:spcBef>
+              <a:spcAft>
+                <a:spcPts val="0"/>
+              </a:spcAft>
+              <a:buClrTx/>
+              <a:buSzTx/>
+              <a:buFontTx/>
+              <a:buNone/>
+              <a:tabLst/>
+              <a:defRPr/>
+            </a:pPr>
+            <a:r>
+              <a:rPr kumimoji="0" lang="en-US" sz="1600" b="0" i="0" u="none" strike="noStrike" kern="0" cap="none" spc="0" normalizeH="0" baseline="0" noProof="0" dirty="0">
+                <a:ln>
+                  <a:noFill/>
+                </a:ln>
+                <a:solidFill>
+                  <a:prstClr val="black"/>
+                </a:solidFill>
+                <a:effectLst/>
+                <a:uLnTx/>
+                <a:uFillTx/>
+                <a:latin typeface="Helvetica" pitchFamily="2" charset="0"/>
+                <a:cs typeface="Arial" panose="020B0604020202020204" pitchFamily="34" charset="0"/>
+              </a:rPr>
+              <a:t>Unsuppressed</a:t>
+            </a:r>
+          </a:p>
+        </p:txBody>
+      </p:sp>
+      <p:sp>
+        <p:nvSpPr>
+          <p:cNvPr id="25" name="Rectangle 24">
+            <a:extLst>
+              <a:ext uri="{FF2B5EF4-FFF2-40B4-BE49-F238E27FC236}">
+                <a16:creationId xmlns:a16="http://schemas.microsoft.com/office/drawing/2014/main" id="{36D1DF68-89E1-FA06-43CA-5FD7DA77D58F}"/>
+              </a:ext>
+            </a:extLst>
+          </p:cNvPr>
+          <p:cNvSpPr/>
+          <p:nvPr/>
+        </p:nvSpPr>
+        <p:spPr>
+          <a:xfrm>
+            <a:off x="5140939" y="1774557"/>
+            <a:ext cx="1639062" cy="754380"/>
+          </a:xfrm>
+          <a:prstGeom prst="rect">
+            <a:avLst/>
+          </a:prstGeom>
+          <a:solidFill>
+            <a:srgbClr val="418EDF">
+              <a:lumMod val="20000"/>
+              <a:lumOff val="80000"/>
+            </a:srgbClr>
+          </a:solidFill>
+          <a:ln w="28575" cap="flat" cmpd="sng" algn="ctr">
+            <a:solidFill>
+              <a:srgbClr val="002D72"/>
+            </a:solidFill>
+            <a:prstDash val="solid"/>
+            <a:miter lim="800000"/>
+          </a:ln>
+          <a:effectLst/>
+        </p:spPr>
+        <p:txBody>
+          <a:bodyPr rtlCol="0" anchor="ctr"/>
+          <a:lstStyle/>
+          <a:p>
+            <a:pPr marL="0" marR="0" lvl="0" indent="0" algn="ctr" defTabSz="685783" eaLnBrk="1" fontAlgn="auto" latinLnBrk="0" hangingPunct="1">
+              <a:lnSpc>
+                <a:spcPct val="100000"/>
+              </a:lnSpc>
+              <a:spcBef>
+                <a:spcPts val="0"/>
+              </a:spcBef>
+              <a:spcAft>
+                <a:spcPts val="0"/>
+              </a:spcAft>
+              <a:buClrTx/>
+              <a:buSzTx/>
+              <a:buFontTx/>
+              <a:buNone/>
+              <a:tabLst/>
+              <a:defRPr/>
+            </a:pPr>
+            <a:r>
+              <a:rPr kumimoji="0" lang="en-US" sz="1600" b="0" i="0" u="none" strike="noStrike" kern="0" cap="none" spc="0" normalizeH="0" baseline="0" noProof="0" dirty="0">
+                <a:ln>
+                  <a:noFill/>
+                </a:ln>
+                <a:solidFill>
+                  <a:prstClr val="black"/>
+                </a:solidFill>
+                <a:effectLst/>
+                <a:uLnTx/>
+                <a:uFillTx/>
+                <a:latin typeface="Helvetica" pitchFamily="2" charset="0"/>
+                <a:cs typeface="Arial" panose="020B0604020202020204" pitchFamily="34" charset="0"/>
+              </a:rPr>
+              <a:t>Diagnosed,</a:t>
+            </a:r>
+          </a:p>
+          <a:p>
+            <a:pPr marL="0" marR="0" lvl="0" indent="0" algn="ctr" defTabSz="685783" eaLnBrk="1" fontAlgn="auto" latinLnBrk="0" hangingPunct="1">
+              <a:lnSpc>
+                <a:spcPct val="100000"/>
+              </a:lnSpc>
+              <a:spcBef>
+                <a:spcPts val="0"/>
+              </a:spcBef>
+              <a:spcAft>
+                <a:spcPts val="0"/>
+              </a:spcAft>
+              <a:buClrTx/>
+              <a:buSzTx/>
+              <a:buFontTx/>
+              <a:buNone/>
+              <a:tabLst/>
+              <a:defRPr/>
+            </a:pPr>
+            <a:r>
+              <a:rPr kumimoji="0" lang="en-US" sz="1600" b="0" i="0" u="none" strike="noStrike" kern="0" cap="none" spc="0" normalizeH="0" baseline="0" noProof="0" dirty="0">
+                <a:ln>
+                  <a:noFill/>
+                </a:ln>
+                <a:solidFill>
+                  <a:prstClr val="black"/>
+                </a:solidFill>
+                <a:effectLst/>
+                <a:uLnTx/>
+                <a:uFillTx/>
+                <a:latin typeface="Helvetica" pitchFamily="2" charset="0"/>
+                <a:cs typeface="Arial" panose="020B0604020202020204" pitchFamily="34" charset="0"/>
+              </a:rPr>
+              <a:t>Unengaged</a:t>
+            </a:r>
+          </a:p>
+        </p:txBody>
+      </p:sp>
     </p:spTree>
     <p:extLst>
       <p:ext uri="{BB962C8B-B14F-4D97-AF65-F5344CB8AC3E}">
         <p14:creationId xmlns:p14="http://schemas.microsoft.com/office/powerpoint/2010/main" val="2578438013"/>
+      </p:ext>
+    </p:extLst>
+  </p:cSld>
+  <p:clrMapOvr>
+    <a:masterClrMapping/>
+  </p:clrMapOvr>
+</p:sld>
+</file>
+
+<file path=ppt/slides/slide3.xml><?xml version="1.0" encoding="utf-8"?>
+<p:sld xmlns:a="http://schemas.openxmlformats.org/drawingml/2006/main" xmlns:r="http://schemas.openxmlformats.org/officeDocument/2006/relationships" xmlns:p="http://schemas.openxmlformats.org/presentationml/2006/main">
+  <p:cSld>
+    <p:spTree>
+      <p:nvGrpSpPr>
+        <p:cNvPr id="1" name="">
+          <a:extLst>
+            <a:ext uri="{FF2B5EF4-FFF2-40B4-BE49-F238E27FC236}">
+              <a16:creationId xmlns:a16="http://schemas.microsoft.com/office/drawing/2014/main" id="{CF0FAE39-F79C-EF6A-6030-81E02F9501C9}"/>
+            </a:ext>
+          </a:extLst>
+        </p:cNvPr>
+        <p:cNvGrpSpPr/>
+        <p:nvPr/>
+      </p:nvGrpSpPr>
+      <p:grpSpPr>
+        <a:xfrm>
+          <a:off x="0" y="0"/>
+          <a:ext cx="0" cy="0"/>
+          <a:chOff x="0" y="0"/>
+          <a:chExt cx="0" cy="0"/>
+        </a:xfrm>
+      </p:grpSpPr>
+      <p:sp>
+        <p:nvSpPr>
+          <p:cNvPr id="4" name="Text Placeholder 1">
+            <a:extLst>
+              <a:ext uri="{FF2B5EF4-FFF2-40B4-BE49-F238E27FC236}">
+                <a16:creationId xmlns:a16="http://schemas.microsoft.com/office/drawing/2014/main" id="{878DB08A-25BA-6DD1-98D9-FF774199FB27}"/>
+              </a:ext>
+            </a:extLst>
+          </p:cNvPr>
+          <p:cNvSpPr txBox="1">
+            <a:spLocks/>
+          </p:cNvSpPr>
+          <p:nvPr/>
+        </p:nvSpPr>
+        <p:spPr>
+          <a:xfrm>
+            <a:off x="768096" y="365769"/>
+            <a:ext cx="10668000" cy="832559"/>
+          </a:xfrm>
+          <a:prstGeom prst="rect">
+            <a:avLst/>
+          </a:prstGeom>
+        </p:spPr>
+        <p:txBody>
+          <a:bodyPr vert="horz"/>
+          <a:lstStyle>
+            <a:lvl1pPr marL="342900" indent="-342900" algn="l" defTabSz="457200" rtl="0" eaLnBrk="1" latinLnBrk="0" hangingPunct="1">
+              <a:spcBef>
+                <a:spcPct val="20000"/>
+              </a:spcBef>
+              <a:buFont typeface="Arial"/>
+              <a:buNone/>
+              <a:defRPr sz="4100" kern="1200">
+                <a:solidFill>
+                  <a:schemeClr val="tx1"/>
+                </a:solidFill>
+                <a:latin typeface="Helvetica" pitchFamily="2" charset="0"/>
+                <a:ea typeface="+mn-ea"/>
+                <a:cs typeface="Helvetica" pitchFamily="2" charset="0"/>
+              </a:defRPr>
+            </a:lvl1pPr>
+            <a:lvl2pPr marL="742950" indent="-285750" algn="l" defTabSz="457200" rtl="0" eaLnBrk="1" latinLnBrk="0" hangingPunct="1">
+              <a:spcBef>
+                <a:spcPct val="20000"/>
+              </a:spcBef>
+              <a:buFont typeface="Arial"/>
+              <a:buChar char="–"/>
+              <a:defRPr sz="2800" kern="1200">
+                <a:solidFill>
+                  <a:schemeClr val="tx1"/>
+                </a:solidFill>
+                <a:latin typeface="+mn-lt"/>
+                <a:ea typeface="+mn-ea"/>
+                <a:cs typeface="+mn-cs"/>
+              </a:defRPr>
+            </a:lvl2pPr>
+            <a:lvl3pPr marL="1143000" indent="-228600" algn="l" defTabSz="457200" rtl="0" eaLnBrk="1" latinLnBrk="0" hangingPunct="1">
+              <a:spcBef>
+                <a:spcPct val="20000"/>
+              </a:spcBef>
+              <a:buFont typeface="Arial"/>
+              <a:buChar char="•"/>
+              <a:defRPr sz="2400" kern="1200">
+                <a:solidFill>
+                  <a:schemeClr val="tx1"/>
+                </a:solidFill>
+                <a:latin typeface="+mn-lt"/>
+                <a:ea typeface="+mn-ea"/>
+                <a:cs typeface="+mn-cs"/>
+              </a:defRPr>
+            </a:lvl3pPr>
+            <a:lvl4pPr marL="1600200" indent="-228600" algn="l" defTabSz="457200" rtl="0" eaLnBrk="1" latinLnBrk="0" hangingPunct="1">
+              <a:spcBef>
+                <a:spcPct val="20000"/>
+              </a:spcBef>
+              <a:buFont typeface="Arial"/>
+              <a:buChar char="–"/>
+              <a:defRPr sz="2000" kern="1200">
+                <a:solidFill>
+                  <a:schemeClr val="tx1"/>
+                </a:solidFill>
+                <a:latin typeface="+mn-lt"/>
+                <a:ea typeface="+mn-ea"/>
+                <a:cs typeface="+mn-cs"/>
+              </a:defRPr>
+            </a:lvl4pPr>
+            <a:lvl5pPr marL="2057400" indent="-228600" algn="l" defTabSz="457200" rtl="0" eaLnBrk="1" latinLnBrk="0" hangingPunct="1">
+              <a:spcBef>
+                <a:spcPct val="20000"/>
+              </a:spcBef>
+              <a:buFont typeface="Arial"/>
+              <a:buChar char="»"/>
+              <a:defRPr sz="2000" kern="1200">
+                <a:solidFill>
+                  <a:schemeClr val="tx1"/>
+                </a:solidFill>
+                <a:latin typeface="+mn-lt"/>
+                <a:ea typeface="+mn-ea"/>
+                <a:cs typeface="+mn-cs"/>
+              </a:defRPr>
+            </a:lvl5pPr>
+            <a:lvl6pPr marL="2514600" indent="-228600" algn="l" defTabSz="457200" rtl="0" eaLnBrk="1" latinLnBrk="0" hangingPunct="1">
+              <a:spcBef>
+                <a:spcPct val="20000"/>
+              </a:spcBef>
+              <a:buFont typeface="Arial"/>
+              <a:buChar char="•"/>
+              <a:defRPr sz="2000" kern="1200">
+                <a:solidFill>
+                  <a:schemeClr val="tx1"/>
+                </a:solidFill>
+                <a:latin typeface="+mn-lt"/>
+                <a:ea typeface="+mn-ea"/>
+                <a:cs typeface="+mn-cs"/>
+              </a:defRPr>
+            </a:lvl6pPr>
+            <a:lvl7pPr marL="2971800" indent="-228600" algn="l" defTabSz="457200" rtl="0" eaLnBrk="1" latinLnBrk="0" hangingPunct="1">
+              <a:spcBef>
+                <a:spcPct val="20000"/>
+              </a:spcBef>
+              <a:buFont typeface="Arial"/>
+              <a:buChar char="•"/>
+              <a:defRPr sz="2000" kern="1200">
+                <a:solidFill>
+                  <a:schemeClr val="tx1"/>
+                </a:solidFill>
+                <a:latin typeface="+mn-lt"/>
+                <a:ea typeface="+mn-ea"/>
+                <a:cs typeface="+mn-cs"/>
+              </a:defRPr>
+            </a:lvl7pPr>
+            <a:lvl8pPr marL="3429000" indent="-228600" algn="l" defTabSz="457200" rtl="0" eaLnBrk="1" latinLnBrk="0" hangingPunct="1">
+              <a:spcBef>
+                <a:spcPct val="20000"/>
+              </a:spcBef>
+              <a:buFont typeface="Arial"/>
+              <a:buChar char="•"/>
+              <a:defRPr sz="2000" kern="1200">
+                <a:solidFill>
+                  <a:schemeClr val="tx1"/>
+                </a:solidFill>
+                <a:latin typeface="+mn-lt"/>
+                <a:ea typeface="+mn-ea"/>
+                <a:cs typeface="+mn-cs"/>
+              </a:defRPr>
+            </a:lvl8pPr>
+            <a:lvl9pPr marL="3886200" indent="-228600" algn="l" defTabSz="457200" rtl="0" eaLnBrk="1" latinLnBrk="0" hangingPunct="1">
+              <a:spcBef>
+                <a:spcPct val="20000"/>
+              </a:spcBef>
+              <a:buFont typeface="Arial"/>
+              <a:buChar char="•"/>
+              <a:defRPr sz="2000" kern="1200">
+                <a:solidFill>
+                  <a:schemeClr val="tx1"/>
+                </a:solidFill>
+                <a:latin typeface="+mn-lt"/>
+                <a:ea typeface="+mn-ea"/>
+                <a:cs typeface="+mn-cs"/>
+              </a:defRPr>
+            </a:lvl9pPr>
+          </a:lstStyle>
+          <a:p>
+            <a:pPr marL="342900" marR="0" lvl="0" indent="-342900" algn="l" defTabSz="457200" rtl="0" eaLnBrk="1" fontAlgn="auto" latinLnBrk="0" hangingPunct="1">
+              <a:lnSpc>
+                <a:spcPct val="100000"/>
+              </a:lnSpc>
+              <a:spcBef>
+                <a:spcPct val="20000"/>
+              </a:spcBef>
+              <a:spcAft>
+                <a:spcPts val="0"/>
+              </a:spcAft>
+              <a:buClrTx/>
+              <a:buSzTx/>
+              <a:buFont typeface="Arial"/>
+              <a:buNone/>
+              <a:tabLst/>
+              <a:defRPr/>
+            </a:pPr>
+            <a:r>
+              <a:rPr kumimoji="0" lang="en-US" sz="4100" b="0" i="0" u="none" strike="noStrike" kern="1200" cap="none" spc="0" normalizeH="0" baseline="0" noProof="0">
+                <a:ln>
+                  <a:noFill/>
+                </a:ln>
+                <a:solidFill>
+                  <a:srgbClr val="002D72"/>
+                </a:solidFill>
+                <a:effectLst/>
+                <a:uLnTx/>
+                <a:uFillTx/>
+                <a:latin typeface="Helvetica" pitchFamily="2" charset="0"/>
+                <a:ea typeface="+mn-ea"/>
+              </a:rPr>
+              <a:t>Model structure</a:t>
+            </a:r>
+            <a:endParaRPr kumimoji="0" lang="en-US" sz="4100" b="0" i="0" u="none" strike="noStrike" kern="1200" cap="none" spc="0" normalizeH="0" baseline="0" noProof="0" dirty="0">
+              <a:ln>
+                <a:noFill/>
+              </a:ln>
+              <a:solidFill>
+                <a:srgbClr val="002D72"/>
+              </a:solidFill>
+              <a:effectLst/>
+              <a:uLnTx/>
+              <a:uFillTx/>
+              <a:latin typeface="Helvetica" pitchFamily="2" charset="0"/>
+              <a:ea typeface="+mn-ea"/>
+            </a:endParaRPr>
+          </a:p>
+        </p:txBody>
+      </p:sp>
+      <p:sp>
+        <p:nvSpPr>
+          <p:cNvPr id="9" name="TextBox 8">
+            <a:extLst>
+              <a:ext uri="{FF2B5EF4-FFF2-40B4-BE49-F238E27FC236}">
+                <a16:creationId xmlns:a16="http://schemas.microsoft.com/office/drawing/2014/main" id="{42163D70-5CA1-3E1B-9685-6FC8F3AD74BA}"/>
+              </a:ext>
+            </a:extLst>
+          </p:cNvPr>
+          <p:cNvSpPr txBox="1"/>
+          <p:nvPr/>
+        </p:nvSpPr>
+        <p:spPr>
+          <a:xfrm>
+            <a:off x="2571020" y="1842035"/>
+            <a:ext cx="440691" cy="307777"/>
+          </a:xfrm>
+          <a:prstGeom prst="rect">
+            <a:avLst/>
+          </a:prstGeom>
+          <a:noFill/>
+        </p:spPr>
+        <p:txBody>
+          <a:bodyPr wrap="square" rtlCol="0">
+            <a:spAutoFit/>
+          </a:bodyPr>
+          <a:lstStyle/>
+          <a:p>
+            <a:pPr marL="0" marR="0" lvl="0" indent="0" defTabSz="914400" eaLnBrk="1" fontAlgn="auto" latinLnBrk="0" hangingPunct="1">
+              <a:lnSpc>
+                <a:spcPct val="100000"/>
+              </a:lnSpc>
+              <a:spcBef>
+                <a:spcPts val="0"/>
+              </a:spcBef>
+              <a:spcAft>
+                <a:spcPts val="0"/>
+              </a:spcAft>
+              <a:buClrTx/>
+              <a:buSzTx/>
+              <a:buFontTx/>
+              <a:buNone/>
+              <a:tabLst/>
+              <a:defRPr/>
+            </a:pPr>
+            <a:r>
+              <a:rPr kumimoji="0" lang="en-US" sz="1400" b="1" i="0" u="none" strike="noStrike" kern="0" cap="none" spc="0" normalizeH="0" baseline="0" noProof="0" dirty="0">
+                <a:ln>
+                  <a:noFill/>
+                </a:ln>
+                <a:solidFill>
+                  <a:srgbClr val="002D72"/>
+                </a:solidFill>
+                <a:effectLst/>
+                <a:uLnTx/>
+                <a:uFillTx/>
+                <a:latin typeface="Helvetica" pitchFamily="2" charset="0"/>
+              </a:rPr>
+              <a:t>(1)</a:t>
+            </a:r>
+          </a:p>
+        </p:txBody>
+      </p:sp>
+      <p:sp>
+        <p:nvSpPr>
+          <p:cNvPr id="10" name="TextBox 9">
+            <a:extLst>
+              <a:ext uri="{FF2B5EF4-FFF2-40B4-BE49-F238E27FC236}">
+                <a16:creationId xmlns:a16="http://schemas.microsoft.com/office/drawing/2014/main" id="{EE2B0994-1A90-CFF4-ACCE-9A1AF7D2DD9C}"/>
+              </a:ext>
+            </a:extLst>
+          </p:cNvPr>
+          <p:cNvSpPr txBox="1"/>
+          <p:nvPr/>
+        </p:nvSpPr>
+        <p:spPr>
+          <a:xfrm>
+            <a:off x="4675510" y="1842035"/>
+            <a:ext cx="440691" cy="307777"/>
+          </a:xfrm>
+          <a:prstGeom prst="rect">
+            <a:avLst/>
+          </a:prstGeom>
+          <a:noFill/>
+        </p:spPr>
+        <p:txBody>
+          <a:bodyPr wrap="square" rtlCol="0">
+            <a:spAutoFit/>
+          </a:bodyPr>
+          <a:lstStyle/>
+          <a:p>
+            <a:pPr marL="0" marR="0" lvl="0" indent="0" defTabSz="914400" eaLnBrk="1" fontAlgn="auto" latinLnBrk="0" hangingPunct="1">
+              <a:lnSpc>
+                <a:spcPct val="100000"/>
+              </a:lnSpc>
+              <a:spcBef>
+                <a:spcPts val="0"/>
+              </a:spcBef>
+              <a:spcAft>
+                <a:spcPts val="0"/>
+              </a:spcAft>
+              <a:buClrTx/>
+              <a:buSzTx/>
+              <a:buFontTx/>
+              <a:buNone/>
+              <a:tabLst/>
+              <a:defRPr/>
+            </a:pPr>
+            <a:r>
+              <a:rPr kumimoji="0" lang="en-US" sz="1400" b="1" i="0" u="none" strike="noStrike" kern="0" cap="none" spc="0" normalizeH="0" baseline="0" noProof="0" dirty="0">
+                <a:ln>
+                  <a:noFill/>
+                </a:ln>
+                <a:solidFill>
+                  <a:srgbClr val="002D72"/>
+                </a:solidFill>
+                <a:effectLst/>
+                <a:uLnTx/>
+                <a:uFillTx/>
+                <a:latin typeface="Helvetica" pitchFamily="2" charset="0"/>
+              </a:rPr>
+              <a:t>(2)</a:t>
+            </a:r>
+          </a:p>
+        </p:txBody>
+      </p:sp>
+      <p:sp>
+        <p:nvSpPr>
+          <p:cNvPr id="11" name="TextBox 10">
+            <a:extLst>
+              <a:ext uri="{FF2B5EF4-FFF2-40B4-BE49-F238E27FC236}">
+                <a16:creationId xmlns:a16="http://schemas.microsoft.com/office/drawing/2014/main" id="{8A42286F-5E85-626B-F2AE-954323DC8240}"/>
+              </a:ext>
+            </a:extLst>
+          </p:cNvPr>
+          <p:cNvSpPr txBox="1"/>
+          <p:nvPr/>
+        </p:nvSpPr>
+        <p:spPr>
+          <a:xfrm>
+            <a:off x="6880390" y="1651980"/>
+            <a:ext cx="440691" cy="307777"/>
+          </a:xfrm>
+          <a:prstGeom prst="rect">
+            <a:avLst/>
+          </a:prstGeom>
+          <a:noFill/>
+        </p:spPr>
+        <p:txBody>
+          <a:bodyPr wrap="square" rtlCol="0">
+            <a:spAutoFit/>
+          </a:bodyPr>
+          <a:lstStyle/>
+          <a:p>
+            <a:pPr marL="0" marR="0" lvl="0" indent="0" defTabSz="914400" eaLnBrk="1" fontAlgn="auto" latinLnBrk="0" hangingPunct="1">
+              <a:lnSpc>
+                <a:spcPct val="100000"/>
+              </a:lnSpc>
+              <a:spcBef>
+                <a:spcPts val="0"/>
+              </a:spcBef>
+              <a:spcAft>
+                <a:spcPts val="0"/>
+              </a:spcAft>
+              <a:buClrTx/>
+              <a:buSzTx/>
+              <a:buFontTx/>
+              <a:buNone/>
+              <a:tabLst/>
+              <a:defRPr/>
+            </a:pPr>
+            <a:r>
+              <a:rPr kumimoji="0" lang="en-US" sz="1400" b="1" i="0" u="none" strike="noStrike" kern="0" cap="none" spc="0" normalizeH="0" baseline="0" noProof="0" dirty="0">
+                <a:ln>
+                  <a:noFill/>
+                </a:ln>
+                <a:solidFill>
+                  <a:srgbClr val="002D72"/>
+                </a:solidFill>
+                <a:effectLst/>
+                <a:uLnTx/>
+                <a:uFillTx/>
+                <a:latin typeface="Helvetica" pitchFamily="2" charset="0"/>
+              </a:rPr>
+              <a:t>(3)</a:t>
+            </a:r>
+          </a:p>
+        </p:txBody>
+      </p:sp>
+      <p:sp>
+        <p:nvSpPr>
+          <p:cNvPr id="12" name="TextBox 11">
+            <a:extLst>
+              <a:ext uri="{FF2B5EF4-FFF2-40B4-BE49-F238E27FC236}">
+                <a16:creationId xmlns:a16="http://schemas.microsoft.com/office/drawing/2014/main" id="{9ADB8285-472B-4616-7059-3A38742CBE0B}"/>
+              </a:ext>
+            </a:extLst>
+          </p:cNvPr>
+          <p:cNvSpPr txBox="1"/>
+          <p:nvPr/>
+        </p:nvSpPr>
+        <p:spPr>
+          <a:xfrm>
+            <a:off x="6880390" y="2263248"/>
+            <a:ext cx="440691" cy="307777"/>
+          </a:xfrm>
+          <a:prstGeom prst="rect">
+            <a:avLst/>
+          </a:prstGeom>
+          <a:noFill/>
+        </p:spPr>
+        <p:txBody>
+          <a:bodyPr wrap="square" rtlCol="0">
+            <a:spAutoFit/>
+          </a:bodyPr>
+          <a:lstStyle/>
+          <a:p>
+            <a:pPr marL="0" marR="0" lvl="0" indent="0" defTabSz="914400" eaLnBrk="1" fontAlgn="auto" latinLnBrk="0" hangingPunct="1">
+              <a:lnSpc>
+                <a:spcPct val="100000"/>
+              </a:lnSpc>
+              <a:spcBef>
+                <a:spcPts val="0"/>
+              </a:spcBef>
+              <a:spcAft>
+                <a:spcPts val="0"/>
+              </a:spcAft>
+              <a:buClrTx/>
+              <a:buSzTx/>
+              <a:buFontTx/>
+              <a:buNone/>
+              <a:tabLst/>
+              <a:defRPr/>
+            </a:pPr>
+            <a:r>
+              <a:rPr kumimoji="0" lang="en-US" sz="1400" b="1" i="0" u="none" strike="noStrike" kern="0" cap="none" spc="0" normalizeH="0" baseline="0" noProof="0" dirty="0">
+                <a:ln>
+                  <a:noFill/>
+                </a:ln>
+                <a:solidFill>
+                  <a:srgbClr val="002D72"/>
+                </a:solidFill>
+                <a:effectLst/>
+                <a:uLnTx/>
+                <a:uFillTx/>
+                <a:latin typeface="Helvetica" pitchFamily="2" charset="0"/>
+              </a:rPr>
+              <a:t>(4)</a:t>
+            </a:r>
+          </a:p>
+        </p:txBody>
+      </p:sp>
+      <p:sp>
+        <p:nvSpPr>
+          <p:cNvPr id="13" name="TextBox 12">
+            <a:extLst>
+              <a:ext uri="{FF2B5EF4-FFF2-40B4-BE49-F238E27FC236}">
+                <a16:creationId xmlns:a16="http://schemas.microsoft.com/office/drawing/2014/main" id="{593BB0B5-EE7C-B537-4EF6-0B27F5BA8029}"/>
+              </a:ext>
+            </a:extLst>
+          </p:cNvPr>
+          <p:cNvSpPr txBox="1"/>
+          <p:nvPr/>
+        </p:nvSpPr>
+        <p:spPr>
+          <a:xfrm>
+            <a:off x="7999944" y="1118521"/>
+            <a:ext cx="440691" cy="307777"/>
+          </a:xfrm>
+          <a:prstGeom prst="rect">
+            <a:avLst/>
+          </a:prstGeom>
+          <a:noFill/>
+        </p:spPr>
+        <p:txBody>
+          <a:bodyPr wrap="square" rtlCol="0">
+            <a:spAutoFit/>
+          </a:bodyPr>
+          <a:lstStyle/>
+          <a:p>
+            <a:pPr marL="0" marR="0" lvl="0" indent="0" defTabSz="914400" eaLnBrk="1" fontAlgn="auto" latinLnBrk="0" hangingPunct="1">
+              <a:lnSpc>
+                <a:spcPct val="100000"/>
+              </a:lnSpc>
+              <a:spcBef>
+                <a:spcPts val="0"/>
+              </a:spcBef>
+              <a:spcAft>
+                <a:spcPts val="0"/>
+              </a:spcAft>
+              <a:buClrTx/>
+              <a:buSzTx/>
+              <a:buFontTx/>
+              <a:buNone/>
+              <a:tabLst/>
+              <a:defRPr/>
+            </a:pPr>
+            <a:r>
+              <a:rPr kumimoji="0" lang="en-US" sz="1400" b="1" i="0" u="none" strike="noStrike" kern="0" cap="none" spc="0" normalizeH="0" baseline="0" noProof="0" dirty="0">
+                <a:ln>
+                  <a:noFill/>
+                </a:ln>
+                <a:solidFill>
+                  <a:srgbClr val="002D72"/>
+                </a:solidFill>
+                <a:effectLst/>
+                <a:uLnTx/>
+                <a:uFillTx/>
+                <a:latin typeface="Helvetica" pitchFamily="2" charset="0"/>
+              </a:rPr>
+              <a:t>(4)</a:t>
+            </a:r>
+          </a:p>
+        </p:txBody>
+      </p:sp>
+      <p:sp>
+        <p:nvSpPr>
+          <p:cNvPr id="14" name="TextBox 13">
+            <a:extLst>
+              <a:ext uri="{FF2B5EF4-FFF2-40B4-BE49-F238E27FC236}">
+                <a16:creationId xmlns:a16="http://schemas.microsoft.com/office/drawing/2014/main" id="{40D69702-C2E4-B065-9F56-65F08911534C}"/>
+              </a:ext>
+            </a:extLst>
+          </p:cNvPr>
+          <p:cNvSpPr txBox="1"/>
+          <p:nvPr/>
+        </p:nvSpPr>
+        <p:spPr>
+          <a:xfrm>
+            <a:off x="9137977" y="1651980"/>
+            <a:ext cx="440691" cy="307777"/>
+          </a:xfrm>
+          <a:prstGeom prst="rect">
+            <a:avLst/>
+          </a:prstGeom>
+          <a:noFill/>
+        </p:spPr>
+        <p:txBody>
+          <a:bodyPr wrap="square" rtlCol="0">
+            <a:spAutoFit/>
+          </a:bodyPr>
+          <a:lstStyle/>
+          <a:p>
+            <a:pPr marL="0" marR="0" lvl="0" indent="0" defTabSz="914400" eaLnBrk="1" fontAlgn="auto" latinLnBrk="0" hangingPunct="1">
+              <a:lnSpc>
+                <a:spcPct val="100000"/>
+              </a:lnSpc>
+              <a:spcBef>
+                <a:spcPts val="0"/>
+              </a:spcBef>
+              <a:spcAft>
+                <a:spcPts val="0"/>
+              </a:spcAft>
+              <a:buClrTx/>
+              <a:buSzTx/>
+              <a:buFontTx/>
+              <a:buNone/>
+              <a:tabLst/>
+              <a:defRPr/>
+            </a:pPr>
+            <a:r>
+              <a:rPr kumimoji="0" lang="en-US" sz="1400" b="1" i="0" u="none" strike="noStrike" kern="0" cap="none" spc="0" normalizeH="0" baseline="0" noProof="0" dirty="0">
+                <a:ln>
+                  <a:noFill/>
+                </a:ln>
+                <a:solidFill>
+                  <a:srgbClr val="002D72"/>
+                </a:solidFill>
+                <a:effectLst/>
+                <a:uLnTx/>
+                <a:uFillTx/>
+                <a:latin typeface="Helvetica" pitchFamily="2" charset="0"/>
+              </a:rPr>
+              <a:t>(5)</a:t>
+            </a:r>
+          </a:p>
+        </p:txBody>
+      </p:sp>
+      <p:sp>
+        <p:nvSpPr>
+          <p:cNvPr id="15" name="TextBox 14">
+            <a:extLst>
+              <a:ext uri="{FF2B5EF4-FFF2-40B4-BE49-F238E27FC236}">
+                <a16:creationId xmlns:a16="http://schemas.microsoft.com/office/drawing/2014/main" id="{7A3209BF-DF74-1CDB-4DB9-C8392ECB4E8A}"/>
+              </a:ext>
+            </a:extLst>
+          </p:cNvPr>
+          <p:cNvSpPr txBox="1"/>
+          <p:nvPr/>
+        </p:nvSpPr>
+        <p:spPr>
+          <a:xfrm>
+            <a:off x="9141986" y="2329236"/>
+            <a:ext cx="440691" cy="307777"/>
+          </a:xfrm>
+          <a:prstGeom prst="rect">
+            <a:avLst/>
+          </a:prstGeom>
+          <a:noFill/>
+        </p:spPr>
+        <p:txBody>
+          <a:bodyPr wrap="square" rtlCol="0">
+            <a:spAutoFit/>
+          </a:bodyPr>
+          <a:lstStyle/>
+          <a:p>
+            <a:pPr marL="0" marR="0" lvl="0" indent="0" defTabSz="914400" eaLnBrk="1" fontAlgn="auto" latinLnBrk="0" hangingPunct="1">
+              <a:lnSpc>
+                <a:spcPct val="100000"/>
+              </a:lnSpc>
+              <a:spcBef>
+                <a:spcPts val="0"/>
+              </a:spcBef>
+              <a:spcAft>
+                <a:spcPts val="0"/>
+              </a:spcAft>
+              <a:buClrTx/>
+              <a:buSzTx/>
+              <a:buFontTx/>
+              <a:buNone/>
+              <a:tabLst/>
+              <a:defRPr/>
+            </a:pPr>
+            <a:r>
+              <a:rPr kumimoji="0" lang="en-US" sz="1400" b="1" i="0" u="none" strike="noStrike" kern="0" cap="none" spc="0" normalizeH="0" baseline="0" noProof="0" dirty="0">
+                <a:ln>
+                  <a:noFill/>
+                </a:ln>
+                <a:solidFill>
+                  <a:srgbClr val="002D72"/>
+                </a:solidFill>
+                <a:effectLst/>
+                <a:uLnTx/>
+                <a:uFillTx/>
+                <a:latin typeface="Helvetica" pitchFamily="2" charset="0"/>
+              </a:rPr>
+              <a:t>(6)</a:t>
+            </a:r>
+          </a:p>
+        </p:txBody>
+      </p:sp>
+      <p:cxnSp>
+        <p:nvCxnSpPr>
+          <p:cNvPr id="3" name="Straight Arrow Connector 2">
+            <a:extLst>
+              <a:ext uri="{FF2B5EF4-FFF2-40B4-BE49-F238E27FC236}">
+                <a16:creationId xmlns:a16="http://schemas.microsoft.com/office/drawing/2014/main" id="{1C7D5CBB-93BD-5CEB-ABCC-470858E3EC29}"/>
+              </a:ext>
+            </a:extLst>
+          </p:cNvPr>
+          <p:cNvCxnSpPr>
+            <a:cxnSpLocks/>
+          </p:cNvCxnSpPr>
+          <p:nvPr/>
+        </p:nvCxnSpPr>
+        <p:spPr>
+          <a:xfrm>
+            <a:off x="10916476" y="2535288"/>
+            <a:ext cx="0" cy="948515"/>
+          </a:xfrm>
+          <a:prstGeom prst="straightConnector1">
+            <a:avLst/>
+          </a:prstGeom>
+          <a:noFill/>
+          <a:ln w="38100" cap="flat" cmpd="sng" algn="ctr">
+            <a:solidFill>
+              <a:srgbClr val="00B050"/>
+            </a:solidFill>
+            <a:prstDash val="solid"/>
+            <a:tailEnd type="triangle" w="lg" len="med"/>
+          </a:ln>
+          <a:effectLst/>
+        </p:spPr>
+      </p:cxnSp>
+      <p:cxnSp>
+        <p:nvCxnSpPr>
+          <p:cNvPr id="30" name="Straight Arrow Connector 29">
+            <a:extLst>
+              <a:ext uri="{FF2B5EF4-FFF2-40B4-BE49-F238E27FC236}">
+                <a16:creationId xmlns:a16="http://schemas.microsoft.com/office/drawing/2014/main" id="{A93F32E0-07B8-243F-637D-1CA3F3495805}"/>
+              </a:ext>
+            </a:extLst>
+          </p:cNvPr>
+          <p:cNvCxnSpPr>
+            <a:cxnSpLocks/>
+          </p:cNvCxnSpPr>
+          <p:nvPr/>
+        </p:nvCxnSpPr>
+        <p:spPr>
+          <a:xfrm>
+            <a:off x="10496270" y="2539724"/>
+            <a:ext cx="0" cy="954866"/>
+          </a:xfrm>
+          <a:prstGeom prst="straightConnector1">
+            <a:avLst/>
+          </a:prstGeom>
+          <a:noFill/>
+          <a:ln w="38100" cap="flat" cmpd="sng" algn="ctr">
+            <a:solidFill>
+              <a:schemeClr val="accent2"/>
+            </a:solidFill>
+            <a:prstDash val="solid"/>
+            <a:tailEnd type="triangle" w="lg" len="med"/>
+          </a:ln>
+          <a:effectLst/>
+        </p:spPr>
+      </p:cxnSp>
+      <p:sp>
+        <p:nvSpPr>
+          <p:cNvPr id="36" name="TextBox 35">
+            <a:extLst>
+              <a:ext uri="{FF2B5EF4-FFF2-40B4-BE49-F238E27FC236}">
+                <a16:creationId xmlns:a16="http://schemas.microsoft.com/office/drawing/2014/main" id="{01388454-C5B1-4D9B-6898-EE2E4959F047}"/>
+              </a:ext>
+            </a:extLst>
+          </p:cNvPr>
+          <p:cNvSpPr txBox="1"/>
+          <p:nvPr/>
+        </p:nvSpPr>
+        <p:spPr>
+          <a:xfrm>
+            <a:off x="905060" y="3160377"/>
+            <a:ext cx="4819904" cy="2862322"/>
+          </a:xfrm>
+          <a:prstGeom prst="rect">
+            <a:avLst/>
+          </a:prstGeom>
+          <a:noFill/>
+        </p:spPr>
+        <p:txBody>
+          <a:bodyPr wrap="square">
+            <a:spAutoFit/>
+          </a:bodyPr>
+          <a:lstStyle/>
+          <a:p>
+            <a:r>
+              <a:rPr lang="en-US" b="1" u="sng" dirty="0">
+                <a:solidFill>
+                  <a:srgbClr val="002D72"/>
+                </a:solidFill>
+                <a:latin typeface="Helvetica" pitchFamily="2" charset="0"/>
+              </a:rPr>
+              <a:t>Transitions along the continuum of care: </a:t>
+            </a:r>
+          </a:p>
+          <a:p>
+            <a:pPr marL="342900" indent="-342900">
+              <a:buFont typeface="+mj-lt"/>
+              <a:buAutoNum type="arabicParenR"/>
+            </a:pPr>
+            <a:r>
+              <a:rPr lang="en-US" dirty="0">
+                <a:solidFill>
+                  <a:srgbClr val="002D72"/>
+                </a:solidFill>
+                <a:latin typeface="Helvetica" pitchFamily="2" charset="0"/>
+              </a:rPr>
+              <a:t>HIV incidence</a:t>
+            </a:r>
+          </a:p>
+          <a:p>
+            <a:pPr marL="342900" indent="-342900">
+              <a:buFont typeface="+mj-lt"/>
+              <a:buAutoNum type="arabicParenR"/>
+            </a:pPr>
+            <a:r>
+              <a:rPr lang="en-US" dirty="0">
+                <a:solidFill>
+                  <a:srgbClr val="002D72"/>
+                </a:solidFill>
+                <a:latin typeface="Helvetica" pitchFamily="2" charset="0"/>
+              </a:rPr>
+              <a:t>HIV diagnosis</a:t>
+            </a:r>
+          </a:p>
+          <a:p>
+            <a:pPr marL="342900" indent="-342900">
+              <a:buFont typeface="+mj-lt"/>
+              <a:buAutoNum type="arabicParenR"/>
+            </a:pPr>
+            <a:r>
+              <a:rPr lang="en-US" dirty="0">
+                <a:solidFill>
+                  <a:srgbClr val="002D72"/>
+                </a:solidFill>
+                <a:latin typeface="Helvetica" pitchFamily="2" charset="0"/>
+              </a:rPr>
+              <a:t>Engagement in care</a:t>
+            </a:r>
+          </a:p>
+          <a:p>
+            <a:pPr marL="342900" indent="-342900">
+              <a:buFont typeface="+mj-lt"/>
+              <a:buAutoNum type="arabicParenR"/>
+            </a:pPr>
+            <a:r>
+              <a:rPr lang="en-US" dirty="0">
+                <a:solidFill>
+                  <a:srgbClr val="002D72"/>
+                </a:solidFill>
+                <a:latin typeface="Helvetica" pitchFamily="2" charset="0"/>
+              </a:rPr>
+              <a:t>Disengagement from care </a:t>
+            </a:r>
+          </a:p>
+          <a:p>
+            <a:pPr marL="342900" indent="-342900">
+              <a:buFont typeface="+mj-lt"/>
+              <a:buAutoNum type="arabicParenR"/>
+            </a:pPr>
+            <a:r>
+              <a:rPr lang="en-US" dirty="0">
+                <a:solidFill>
+                  <a:srgbClr val="002D72"/>
+                </a:solidFill>
+                <a:latin typeface="Helvetica" pitchFamily="2" charset="0"/>
+              </a:rPr>
+              <a:t>Gain of viral suppression </a:t>
+            </a:r>
+          </a:p>
+          <a:p>
+            <a:pPr marL="342900" indent="-342900">
+              <a:buFont typeface="+mj-lt"/>
+              <a:buAutoNum type="arabicParenR"/>
+            </a:pPr>
+            <a:r>
+              <a:rPr lang="en-US" dirty="0">
+                <a:solidFill>
+                  <a:srgbClr val="002D72"/>
+                </a:solidFill>
+                <a:latin typeface="Helvetica" pitchFamily="2" charset="0"/>
+              </a:rPr>
+              <a:t>Loss of viral suppression</a:t>
+            </a:r>
+          </a:p>
+          <a:p>
+            <a:pPr marL="342900" indent="-342900">
+              <a:buFont typeface="+mj-lt"/>
+              <a:buAutoNum type="arabicParenR"/>
+            </a:pPr>
+            <a:r>
+              <a:rPr lang="en-US" dirty="0">
+                <a:solidFill>
+                  <a:schemeClr val="accent5"/>
+                </a:solidFill>
+                <a:latin typeface="Helvetica" pitchFamily="2" charset="0"/>
+              </a:rPr>
+              <a:t>LAI from engaged/suppressed</a:t>
+            </a:r>
+          </a:p>
+          <a:p>
+            <a:pPr marL="342900" indent="-342900">
+              <a:buFont typeface="+mj-lt"/>
+              <a:buAutoNum type="arabicParenR"/>
+            </a:pPr>
+            <a:r>
+              <a:rPr lang="en-US" dirty="0">
+                <a:solidFill>
+                  <a:schemeClr val="accent2"/>
+                </a:solidFill>
+                <a:latin typeface="Helvetica" pitchFamily="2" charset="0"/>
+              </a:rPr>
+              <a:t>LAI from engaged/unsuppressed</a:t>
+            </a:r>
+          </a:p>
+          <a:p>
+            <a:pPr marL="342900" indent="-342900">
+              <a:buFont typeface="+mj-lt"/>
+              <a:buAutoNum type="arabicParenR"/>
+            </a:pPr>
+            <a:r>
+              <a:rPr lang="en-US" dirty="0">
+                <a:solidFill>
+                  <a:srgbClr val="00B050"/>
+                </a:solidFill>
+                <a:latin typeface="Helvetica" pitchFamily="2" charset="0"/>
+              </a:rPr>
+              <a:t>LAI from ART naïve </a:t>
+            </a:r>
+          </a:p>
+        </p:txBody>
+      </p:sp>
+      <p:sp>
+        <p:nvSpPr>
+          <p:cNvPr id="37" name="TextBox 36">
+            <a:extLst>
+              <a:ext uri="{FF2B5EF4-FFF2-40B4-BE49-F238E27FC236}">
+                <a16:creationId xmlns:a16="http://schemas.microsoft.com/office/drawing/2014/main" id="{F11E3796-B4E1-7EEA-6A50-EA1C74FF3D15}"/>
+              </a:ext>
+            </a:extLst>
+          </p:cNvPr>
+          <p:cNvSpPr txBox="1"/>
+          <p:nvPr/>
+        </p:nvSpPr>
+        <p:spPr>
+          <a:xfrm>
+            <a:off x="10595737" y="2806874"/>
+            <a:ext cx="440691" cy="276999"/>
+          </a:xfrm>
+          <a:prstGeom prst="rect">
+            <a:avLst/>
+          </a:prstGeom>
+          <a:noFill/>
+        </p:spPr>
+        <p:txBody>
+          <a:bodyPr wrap="square" rtlCol="0">
+            <a:spAutoFit/>
+          </a:bodyPr>
+          <a:lstStyle/>
+          <a:p>
+            <a:pPr marL="0" marR="0" lvl="0" indent="0" defTabSz="914400" eaLnBrk="1" fontAlgn="auto" latinLnBrk="0" hangingPunct="1">
+              <a:lnSpc>
+                <a:spcPct val="100000"/>
+              </a:lnSpc>
+              <a:spcBef>
+                <a:spcPts val="0"/>
+              </a:spcBef>
+              <a:spcAft>
+                <a:spcPts val="0"/>
+              </a:spcAft>
+              <a:buClrTx/>
+              <a:buSzTx/>
+              <a:buFontTx/>
+              <a:buNone/>
+              <a:tabLst/>
+              <a:defRPr/>
+            </a:pPr>
+            <a:r>
+              <a:rPr kumimoji="0" lang="en-US" sz="1200" b="1" i="0" u="none" strike="noStrike" kern="0" cap="none" spc="0" normalizeH="0" baseline="0" noProof="0" dirty="0">
+                <a:ln>
+                  <a:noFill/>
+                </a:ln>
+                <a:solidFill>
+                  <a:srgbClr val="00B050"/>
+                </a:solidFill>
+                <a:effectLst/>
+                <a:uLnTx/>
+                <a:uFillTx/>
+                <a:latin typeface="Helvetica" pitchFamily="2" charset="0"/>
+              </a:rPr>
+              <a:t>(9)</a:t>
+            </a:r>
+          </a:p>
+        </p:txBody>
+      </p:sp>
+      <p:sp>
+        <p:nvSpPr>
+          <p:cNvPr id="38" name="TextBox 37">
+            <a:extLst>
+              <a:ext uri="{FF2B5EF4-FFF2-40B4-BE49-F238E27FC236}">
+                <a16:creationId xmlns:a16="http://schemas.microsoft.com/office/drawing/2014/main" id="{EBB60F21-AF34-1D1E-989F-05ABE8F9E5CE}"/>
+              </a:ext>
+            </a:extLst>
+          </p:cNvPr>
+          <p:cNvSpPr txBox="1"/>
+          <p:nvPr/>
+        </p:nvSpPr>
+        <p:spPr>
+          <a:xfrm>
+            <a:off x="9764048" y="2806874"/>
+            <a:ext cx="440691" cy="276999"/>
+          </a:xfrm>
+          <a:prstGeom prst="rect">
+            <a:avLst/>
+          </a:prstGeom>
+          <a:noFill/>
+        </p:spPr>
+        <p:txBody>
+          <a:bodyPr wrap="square" rtlCol="0">
+            <a:spAutoFit/>
+          </a:bodyPr>
+          <a:lstStyle/>
+          <a:p>
+            <a:pPr marL="0" marR="0" lvl="0" indent="0" defTabSz="914400" eaLnBrk="1" fontAlgn="auto" latinLnBrk="0" hangingPunct="1">
+              <a:lnSpc>
+                <a:spcPct val="100000"/>
+              </a:lnSpc>
+              <a:spcBef>
+                <a:spcPts val="0"/>
+              </a:spcBef>
+              <a:spcAft>
+                <a:spcPts val="0"/>
+              </a:spcAft>
+              <a:buClrTx/>
+              <a:buSzTx/>
+              <a:buFontTx/>
+              <a:buNone/>
+              <a:tabLst/>
+              <a:defRPr/>
+            </a:pPr>
+            <a:r>
+              <a:rPr kumimoji="0" lang="en-US" sz="1200" b="1" i="0" u="none" strike="noStrike" kern="0" cap="none" spc="0" normalizeH="0" baseline="0" noProof="0" dirty="0">
+                <a:ln>
+                  <a:noFill/>
+                </a:ln>
+                <a:solidFill>
+                  <a:schemeClr val="accent5"/>
+                </a:solidFill>
+                <a:effectLst/>
+                <a:uLnTx/>
+                <a:uFillTx/>
+                <a:latin typeface="Helvetica" pitchFamily="2" charset="0"/>
+              </a:rPr>
+              <a:t>(7)</a:t>
+            </a:r>
+          </a:p>
+        </p:txBody>
+      </p:sp>
+      <p:sp>
+        <p:nvSpPr>
+          <p:cNvPr id="39" name="TextBox 38">
+            <a:extLst>
+              <a:ext uri="{FF2B5EF4-FFF2-40B4-BE49-F238E27FC236}">
+                <a16:creationId xmlns:a16="http://schemas.microsoft.com/office/drawing/2014/main" id="{92156C38-57CB-9442-E7F7-B8C703812CA7}"/>
+              </a:ext>
+            </a:extLst>
+          </p:cNvPr>
+          <p:cNvSpPr txBox="1"/>
+          <p:nvPr/>
+        </p:nvSpPr>
+        <p:spPr>
+          <a:xfrm>
+            <a:off x="10184606" y="2806874"/>
+            <a:ext cx="440691" cy="276999"/>
+          </a:xfrm>
+          <a:prstGeom prst="rect">
+            <a:avLst/>
+          </a:prstGeom>
+          <a:noFill/>
+        </p:spPr>
+        <p:txBody>
+          <a:bodyPr wrap="square" rtlCol="0">
+            <a:spAutoFit/>
+          </a:bodyPr>
+          <a:lstStyle/>
+          <a:p>
+            <a:pPr marL="0" marR="0" lvl="0" indent="0" defTabSz="914400" eaLnBrk="1" fontAlgn="auto" latinLnBrk="0" hangingPunct="1">
+              <a:lnSpc>
+                <a:spcPct val="100000"/>
+              </a:lnSpc>
+              <a:spcBef>
+                <a:spcPts val="0"/>
+              </a:spcBef>
+              <a:spcAft>
+                <a:spcPts val="0"/>
+              </a:spcAft>
+              <a:buClrTx/>
+              <a:buSzTx/>
+              <a:buFontTx/>
+              <a:buNone/>
+              <a:tabLst/>
+              <a:defRPr/>
+            </a:pPr>
+            <a:r>
+              <a:rPr kumimoji="0" lang="en-US" sz="1200" b="1" i="0" u="none" strike="noStrike" kern="0" cap="none" spc="0" normalizeH="0" baseline="0" noProof="0" dirty="0">
+                <a:ln>
+                  <a:noFill/>
+                </a:ln>
+                <a:solidFill>
+                  <a:schemeClr val="accent2"/>
+                </a:solidFill>
+                <a:effectLst/>
+                <a:uLnTx/>
+                <a:uFillTx/>
+                <a:latin typeface="Helvetica" pitchFamily="2" charset="0"/>
+              </a:rPr>
+              <a:t>(8)</a:t>
+            </a:r>
+          </a:p>
+        </p:txBody>
+      </p:sp>
+      <p:sp>
+        <p:nvSpPr>
+          <p:cNvPr id="40" name="Rectangle 39">
+            <a:extLst>
+              <a:ext uri="{FF2B5EF4-FFF2-40B4-BE49-F238E27FC236}">
+                <a16:creationId xmlns:a16="http://schemas.microsoft.com/office/drawing/2014/main" id="{905FD504-B45C-244E-7AF6-761FA5BD219D}"/>
+              </a:ext>
+            </a:extLst>
+          </p:cNvPr>
+          <p:cNvSpPr/>
+          <p:nvPr/>
+        </p:nvSpPr>
+        <p:spPr>
+          <a:xfrm>
+            <a:off x="393895" y="984738"/>
+            <a:ext cx="11479237" cy="5345724"/>
+          </a:xfrm>
+          <a:prstGeom prst="rect">
+            <a:avLst/>
+          </a:prstGeom>
+          <a:noFill/>
+          <a:ln>
+            <a:noFill/>
+          </a:ln>
+        </p:spPr>
+        <p:style>
+          <a:lnRef idx="2">
+            <a:schemeClr val="accent1">
+              <a:shade val="15000"/>
+            </a:schemeClr>
+          </a:lnRef>
+          <a:fillRef idx="1">
+            <a:schemeClr val="accent1"/>
+          </a:fillRef>
+          <a:effectRef idx="0">
+            <a:schemeClr val="accent1"/>
+          </a:effectRef>
+          <a:fontRef idx="minor">
+            <a:schemeClr val="lt1"/>
+          </a:fontRef>
+        </p:style>
+        <p:txBody>
+          <a:bodyPr rtlCol="0" anchor="ctr"/>
+          <a:lstStyle/>
+          <a:p>
+            <a:pPr algn="ctr"/>
+            <a:endParaRPr lang="en-US"/>
+          </a:p>
+        </p:txBody>
+      </p:sp>
+      <p:sp>
+        <p:nvSpPr>
+          <p:cNvPr id="16" name="Rectangle 15">
+            <a:extLst>
+              <a:ext uri="{FF2B5EF4-FFF2-40B4-BE49-F238E27FC236}">
+                <a16:creationId xmlns:a16="http://schemas.microsoft.com/office/drawing/2014/main" id="{BE43738F-6326-29B4-F5E8-1142A7A88FF7}"/>
+              </a:ext>
+            </a:extLst>
+          </p:cNvPr>
+          <p:cNvSpPr/>
+          <p:nvPr/>
+        </p:nvSpPr>
+        <p:spPr>
+          <a:xfrm>
+            <a:off x="3011711" y="1773058"/>
+            <a:ext cx="1639062" cy="754380"/>
+          </a:xfrm>
+          <a:prstGeom prst="rect">
+            <a:avLst/>
+          </a:prstGeom>
+          <a:solidFill>
+            <a:srgbClr val="418EDF">
+              <a:lumMod val="20000"/>
+              <a:lumOff val="80000"/>
+            </a:srgbClr>
+          </a:solidFill>
+          <a:ln w="28575" cap="flat" cmpd="sng" algn="ctr">
+            <a:solidFill>
+              <a:srgbClr val="002D72"/>
+            </a:solidFill>
+            <a:prstDash val="solid"/>
+            <a:miter lim="800000"/>
+          </a:ln>
+          <a:effectLst/>
+        </p:spPr>
+        <p:txBody>
+          <a:bodyPr rtlCol="0" anchor="ctr"/>
+          <a:lstStyle/>
+          <a:p>
+            <a:pPr marL="0" marR="0" lvl="0" indent="0" algn="ctr" defTabSz="685783" eaLnBrk="1" fontAlgn="auto" latinLnBrk="0" hangingPunct="1">
+              <a:lnSpc>
+                <a:spcPct val="100000"/>
+              </a:lnSpc>
+              <a:spcBef>
+                <a:spcPts val="0"/>
+              </a:spcBef>
+              <a:spcAft>
+                <a:spcPts val="0"/>
+              </a:spcAft>
+              <a:buClrTx/>
+              <a:buSzTx/>
+              <a:buFontTx/>
+              <a:buNone/>
+              <a:tabLst/>
+              <a:defRPr/>
+            </a:pPr>
+            <a:r>
+              <a:rPr kumimoji="0" lang="en-US" sz="1600" b="0" i="0" u="none" strike="noStrike" kern="0" cap="none" spc="0" normalizeH="0" baseline="0" noProof="0" dirty="0">
+                <a:ln>
+                  <a:noFill/>
+                </a:ln>
+                <a:solidFill>
+                  <a:prstClr val="black"/>
+                </a:solidFill>
+                <a:effectLst/>
+                <a:uLnTx/>
+                <a:uFillTx/>
+                <a:latin typeface="Helvetica" pitchFamily="2" charset="0"/>
+                <a:cs typeface="Arial" panose="020B0604020202020204" pitchFamily="34" charset="0"/>
+              </a:rPr>
+              <a:t>HIV-positive, Undiagnosed</a:t>
+            </a:r>
+          </a:p>
+        </p:txBody>
+      </p:sp>
+      <p:sp>
+        <p:nvSpPr>
+          <p:cNvPr id="18" name="Rectangle 17">
+            <a:extLst>
+              <a:ext uri="{FF2B5EF4-FFF2-40B4-BE49-F238E27FC236}">
+                <a16:creationId xmlns:a16="http://schemas.microsoft.com/office/drawing/2014/main" id="{668AF837-020B-3679-560A-3DAD29B5D236}"/>
+              </a:ext>
+            </a:extLst>
+          </p:cNvPr>
+          <p:cNvSpPr/>
+          <p:nvPr/>
+        </p:nvSpPr>
+        <p:spPr>
+          <a:xfrm>
+            <a:off x="905060" y="1773058"/>
+            <a:ext cx="1639062" cy="754380"/>
+          </a:xfrm>
+          <a:prstGeom prst="rect">
+            <a:avLst/>
+          </a:prstGeom>
+          <a:solidFill>
+            <a:srgbClr val="418EDF">
+              <a:lumMod val="20000"/>
+              <a:lumOff val="80000"/>
+            </a:srgbClr>
+          </a:solidFill>
+          <a:ln w="28575" cap="flat" cmpd="sng" algn="ctr">
+            <a:solidFill>
+              <a:srgbClr val="002D72"/>
+            </a:solidFill>
+            <a:prstDash val="solid"/>
+            <a:miter lim="800000"/>
+          </a:ln>
+          <a:effectLst/>
+        </p:spPr>
+        <p:txBody>
+          <a:bodyPr rtlCol="0" anchor="ctr"/>
+          <a:lstStyle/>
+          <a:p>
+            <a:pPr marL="0" marR="0" lvl="0" indent="0" algn="ctr" defTabSz="685783" eaLnBrk="1" fontAlgn="auto" latinLnBrk="0" hangingPunct="1">
+              <a:lnSpc>
+                <a:spcPct val="100000"/>
+              </a:lnSpc>
+              <a:spcBef>
+                <a:spcPts val="0"/>
+              </a:spcBef>
+              <a:spcAft>
+                <a:spcPts val="0"/>
+              </a:spcAft>
+              <a:buClrTx/>
+              <a:buSzTx/>
+              <a:buFontTx/>
+              <a:buNone/>
+              <a:tabLst/>
+              <a:defRPr/>
+            </a:pPr>
+            <a:r>
+              <a:rPr kumimoji="0" lang="en-US" sz="1600" b="0" i="0" u="none" strike="noStrike" kern="0" cap="none" spc="0" normalizeH="0" baseline="0" noProof="0" dirty="0">
+                <a:ln>
+                  <a:noFill/>
+                </a:ln>
+                <a:solidFill>
+                  <a:srgbClr val="000000"/>
+                </a:solidFill>
+                <a:effectLst/>
+                <a:uLnTx/>
+                <a:uFillTx/>
+                <a:latin typeface="Helvetica" pitchFamily="2" charset="0"/>
+                <a:cs typeface="Arial" panose="020B0604020202020204" pitchFamily="34" charset="0"/>
+              </a:rPr>
+              <a:t>HIV-negative</a:t>
+            </a:r>
+          </a:p>
+        </p:txBody>
+      </p:sp>
+      <p:cxnSp>
+        <p:nvCxnSpPr>
+          <p:cNvPr id="20" name="Straight Arrow Connector 19">
+            <a:extLst>
+              <a:ext uri="{FF2B5EF4-FFF2-40B4-BE49-F238E27FC236}">
+                <a16:creationId xmlns:a16="http://schemas.microsoft.com/office/drawing/2014/main" id="{52467993-4825-57CC-84F7-36C553234EB1}"/>
+              </a:ext>
+            </a:extLst>
+          </p:cNvPr>
+          <p:cNvCxnSpPr>
+            <a:cxnSpLocks/>
+          </p:cNvCxnSpPr>
+          <p:nvPr/>
+        </p:nvCxnSpPr>
+        <p:spPr>
+          <a:xfrm flipH="1">
+            <a:off x="9032430" y="2338401"/>
+            <a:ext cx="615448" cy="0"/>
+          </a:xfrm>
+          <a:prstGeom prst="straightConnector1">
+            <a:avLst/>
+          </a:prstGeom>
+          <a:noFill/>
+          <a:ln w="38100" cap="flat" cmpd="sng" algn="ctr">
+            <a:solidFill>
+              <a:srgbClr val="002D72"/>
+            </a:solidFill>
+            <a:prstDash val="solid"/>
+            <a:tailEnd type="triangle" w="lg" len="med"/>
+          </a:ln>
+          <a:effectLst/>
+        </p:spPr>
+      </p:cxnSp>
+      <p:cxnSp>
+        <p:nvCxnSpPr>
+          <p:cNvPr id="21" name="Straight Arrow Connector 20">
+            <a:extLst>
+              <a:ext uri="{FF2B5EF4-FFF2-40B4-BE49-F238E27FC236}">
+                <a16:creationId xmlns:a16="http://schemas.microsoft.com/office/drawing/2014/main" id="{F939035F-007B-0EC2-2550-2A69EEA7EEE7}"/>
+              </a:ext>
+            </a:extLst>
+          </p:cNvPr>
+          <p:cNvCxnSpPr>
+            <a:cxnSpLocks/>
+          </p:cNvCxnSpPr>
+          <p:nvPr/>
+        </p:nvCxnSpPr>
+        <p:spPr>
+          <a:xfrm>
+            <a:off x="6780000" y="1945350"/>
+            <a:ext cx="614408" cy="1498"/>
+          </a:xfrm>
+          <a:prstGeom prst="straightConnector1">
+            <a:avLst/>
+          </a:prstGeom>
+          <a:noFill/>
+          <a:ln w="38100" cap="flat" cmpd="sng" algn="ctr">
+            <a:solidFill>
+              <a:srgbClr val="002D72"/>
+            </a:solidFill>
+            <a:prstDash val="solid"/>
+            <a:tailEnd type="triangle" w="lg" len="med"/>
+          </a:ln>
+          <a:effectLst/>
+        </p:spPr>
+      </p:cxnSp>
+      <p:cxnSp>
+        <p:nvCxnSpPr>
+          <p:cNvPr id="22" name="Straight Arrow Connector 21">
+            <a:extLst>
+              <a:ext uri="{FF2B5EF4-FFF2-40B4-BE49-F238E27FC236}">
+                <a16:creationId xmlns:a16="http://schemas.microsoft.com/office/drawing/2014/main" id="{4A954F99-9714-44DF-4841-D2FD2E4855E8}"/>
+              </a:ext>
+            </a:extLst>
+          </p:cNvPr>
+          <p:cNvCxnSpPr>
+            <a:cxnSpLocks/>
+          </p:cNvCxnSpPr>
+          <p:nvPr/>
+        </p:nvCxnSpPr>
+        <p:spPr>
+          <a:xfrm flipH="1">
+            <a:off x="6780000" y="2272413"/>
+            <a:ext cx="614408" cy="0"/>
+          </a:xfrm>
+          <a:prstGeom prst="straightConnector1">
+            <a:avLst/>
+          </a:prstGeom>
+          <a:noFill/>
+          <a:ln w="38100" cap="flat" cmpd="sng" algn="ctr">
+            <a:solidFill>
+              <a:srgbClr val="002D72"/>
+            </a:solidFill>
+            <a:prstDash val="solid"/>
+            <a:tailEnd type="triangle" w="lg" len="med"/>
+          </a:ln>
+          <a:effectLst/>
+        </p:spPr>
+      </p:cxnSp>
+      <p:cxnSp>
+        <p:nvCxnSpPr>
+          <p:cNvPr id="23" name="Straight Arrow Connector 22">
+            <a:extLst>
+              <a:ext uri="{FF2B5EF4-FFF2-40B4-BE49-F238E27FC236}">
+                <a16:creationId xmlns:a16="http://schemas.microsoft.com/office/drawing/2014/main" id="{0F72E8B1-D99A-6F47-83F7-34C61C45DFAD}"/>
+              </a:ext>
+            </a:extLst>
+          </p:cNvPr>
+          <p:cNvCxnSpPr>
+            <a:cxnSpLocks/>
+            <a:stCxn id="16" idx="3"/>
+            <a:endCxn id="25" idx="1"/>
+          </p:cNvCxnSpPr>
+          <p:nvPr/>
+        </p:nvCxnSpPr>
+        <p:spPr>
+          <a:xfrm>
+            <a:off x="4650773" y="2150248"/>
+            <a:ext cx="490166" cy="1499"/>
+          </a:xfrm>
+          <a:prstGeom prst="straightConnector1">
+            <a:avLst/>
+          </a:prstGeom>
+          <a:noFill/>
+          <a:ln w="38100" cap="flat" cmpd="sng" algn="ctr">
+            <a:solidFill>
+              <a:srgbClr val="002D72"/>
+            </a:solidFill>
+            <a:prstDash val="solid"/>
+            <a:tailEnd type="triangle" w="lg" len="med"/>
+          </a:ln>
+          <a:effectLst/>
+        </p:spPr>
+      </p:cxnSp>
+      <p:cxnSp>
+        <p:nvCxnSpPr>
+          <p:cNvPr id="24" name="Straight Arrow Connector 23">
+            <a:extLst>
+              <a:ext uri="{FF2B5EF4-FFF2-40B4-BE49-F238E27FC236}">
+                <a16:creationId xmlns:a16="http://schemas.microsoft.com/office/drawing/2014/main" id="{603A47C2-2431-D4D0-4F89-B1FC65DA56AE}"/>
+              </a:ext>
+            </a:extLst>
+          </p:cNvPr>
+          <p:cNvCxnSpPr>
+            <a:cxnSpLocks/>
+            <a:stCxn id="18" idx="3"/>
+            <a:endCxn id="16" idx="1"/>
+          </p:cNvCxnSpPr>
+          <p:nvPr/>
+        </p:nvCxnSpPr>
+        <p:spPr>
+          <a:xfrm>
+            <a:off x="2544122" y="2150248"/>
+            <a:ext cx="467589" cy="0"/>
+          </a:xfrm>
+          <a:prstGeom prst="straightConnector1">
+            <a:avLst/>
+          </a:prstGeom>
+          <a:noFill/>
+          <a:ln w="38100" cap="flat" cmpd="sng" algn="ctr">
+            <a:solidFill>
+              <a:srgbClr val="002D72"/>
+            </a:solidFill>
+            <a:prstDash val="solid"/>
+            <a:tailEnd type="triangle" w="lg" len="med"/>
+          </a:ln>
+          <a:effectLst/>
+        </p:spPr>
+      </p:cxnSp>
+      <p:cxnSp>
+        <p:nvCxnSpPr>
+          <p:cNvPr id="27" name="Elbow Connector 26">
+            <a:extLst>
+              <a:ext uri="{FF2B5EF4-FFF2-40B4-BE49-F238E27FC236}">
+                <a16:creationId xmlns:a16="http://schemas.microsoft.com/office/drawing/2014/main" id="{F12BF991-9AAF-0D60-127A-B13835CE7C7C}"/>
+              </a:ext>
+            </a:extLst>
+          </p:cNvPr>
+          <p:cNvCxnSpPr/>
+          <p:nvPr/>
+        </p:nvCxnSpPr>
+        <p:spPr>
+          <a:xfrm rot="16200000" flipV="1">
+            <a:off x="8213940" y="-478913"/>
+            <a:ext cx="12700" cy="4506939"/>
+          </a:xfrm>
+          <a:prstGeom prst="bentConnector3">
+            <a:avLst>
+              <a:gd name="adj1" fmla="val 2369150"/>
+            </a:avLst>
+          </a:prstGeom>
+          <a:noFill/>
+          <a:ln w="38100" cap="flat" cmpd="sng" algn="ctr">
+            <a:solidFill>
+              <a:srgbClr val="002D72"/>
+            </a:solidFill>
+            <a:prstDash val="solid"/>
+            <a:tailEnd type="triangle"/>
+          </a:ln>
+          <a:effectLst/>
+        </p:spPr>
+      </p:cxnSp>
+      <p:cxnSp>
+        <p:nvCxnSpPr>
+          <p:cNvPr id="33" name="Straight Arrow Connector 32">
+            <a:extLst>
+              <a:ext uri="{FF2B5EF4-FFF2-40B4-BE49-F238E27FC236}">
+                <a16:creationId xmlns:a16="http://schemas.microsoft.com/office/drawing/2014/main" id="{3E726BF0-4657-D954-6C13-2ADC03239A68}"/>
+              </a:ext>
+            </a:extLst>
+          </p:cNvPr>
+          <p:cNvCxnSpPr>
+            <a:cxnSpLocks/>
+          </p:cNvCxnSpPr>
+          <p:nvPr/>
+        </p:nvCxnSpPr>
+        <p:spPr>
+          <a:xfrm>
+            <a:off x="9032430" y="2091955"/>
+            <a:ext cx="608057" cy="1833"/>
+          </a:xfrm>
+          <a:prstGeom prst="straightConnector1">
+            <a:avLst/>
+          </a:prstGeom>
+          <a:noFill/>
+          <a:ln w="38100" cap="flat" cmpd="sng" algn="ctr">
+            <a:solidFill>
+              <a:schemeClr val="accent2"/>
+            </a:solidFill>
+            <a:prstDash val="sysDot"/>
+            <a:tailEnd type="triangle" w="lg" len="med"/>
+          </a:ln>
+          <a:effectLst/>
+        </p:spPr>
+      </p:cxnSp>
+      <p:cxnSp>
+        <p:nvCxnSpPr>
+          <p:cNvPr id="41" name="Straight Arrow Connector 40">
+            <a:extLst>
+              <a:ext uri="{FF2B5EF4-FFF2-40B4-BE49-F238E27FC236}">
+                <a16:creationId xmlns:a16="http://schemas.microsoft.com/office/drawing/2014/main" id="{DD36CF22-89F5-36BC-4A29-76CDB9B2F9EA}"/>
+              </a:ext>
+            </a:extLst>
+          </p:cNvPr>
+          <p:cNvCxnSpPr>
+            <a:cxnSpLocks/>
+          </p:cNvCxnSpPr>
+          <p:nvPr/>
+        </p:nvCxnSpPr>
+        <p:spPr>
+          <a:xfrm>
+            <a:off x="10084236" y="2546075"/>
+            <a:ext cx="0" cy="948515"/>
+          </a:xfrm>
+          <a:prstGeom prst="straightConnector1">
+            <a:avLst/>
+          </a:prstGeom>
+          <a:noFill/>
+          <a:ln w="38100" cap="flat" cmpd="sng" algn="ctr">
+            <a:solidFill>
+              <a:schemeClr val="accent5"/>
+            </a:solidFill>
+            <a:prstDash val="solid"/>
+            <a:tailEnd type="triangle" w="lg" len="med"/>
+          </a:ln>
+          <a:effectLst/>
+        </p:spPr>
+      </p:cxnSp>
+      <p:sp>
+        <p:nvSpPr>
+          <p:cNvPr id="26" name="Rectangle 25">
+            <a:extLst>
+              <a:ext uri="{FF2B5EF4-FFF2-40B4-BE49-F238E27FC236}">
+                <a16:creationId xmlns:a16="http://schemas.microsoft.com/office/drawing/2014/main" id="{464D7AC6-EA0B-3FF6-F784-D8FBFDD05186}"/>
+              </a:ext>
+            </a:extLst>
+          </p:cNvPr>
+          <p:cNvSpPr/>
+          <p:nvPr/>
+        </p:nvSpPr>
+        <p:spPr>
+          <a:xfrm>
+            <a:off x="9647878" y="1774557"/>
+            <a:ext cx="1639062" cy="754380"/>
+          </a:xfrm>
+          <a:prstGeom prst="rect">
+            <a:avLst/>
+          </a:prstGeom>
+          <a:solidFill>
+            <a:srgbClr val="418EDF">
+              <a:lumMod val="20000"/>
+              <a:lumOff val="80000"/>
+            </a:srgbClr>
+          </a:solidFill>
+          <a:ln w="28575" cap="flat" cmpd="sng" algn="ctr">
+            <a:solidFill>
+              <a:srgbClr val="002D72"/>
+            </a:solidFill>
+            <a:prstDash val="solid"/>
+            <a:miter lim="800000"/>
+          </a:ln>
+          <a:effectLst/>
+        </p:spPr>
+        <p:txBody>
+          <a:bodyPr rtlCol="0" anchor="ctr"/>
+          <a:lstStyle/>
+          <a:p>
+            <a:pPr marL="0" marR="0" lvl="0" indent="0" algn="ctr" defTabSz="685783" eaLnBrk="1" fontAlgn="auto" latinLnBrk="0" hangingPunct="1">
+              <a:lnSpc>
+                <a:spcPct val="100000"/>
+              </a:lnSpc>
+              <a:spcBef>
+                <a:spcPts val="0"/>
+              </a:spcBef>
+              <a:spcAft>
+                <a:spcPts val="0"/>
+              </a:spcAft>
+              <a:buClrTx/>
+              <a:buSzTx/>
+              <a:buFontTx/>
+              <a:buNone/>
+              <a:tabLst/>
+              <a:defRPr/>
+            </a:pPr>
+            <a:r>
+              <a:rPr kumimoji="0" lang="en-US" sz="1600" b="0" i="0" u="none" strike="noStrike" kern="0" cap="none" spc="0" normalizeH="0" baseline="0" noProof="0" dirty="0">
+                <a:ln>
+                  <a:noFill/>
+                </a:ln>
+                <a:solidFill>
+                  <a:prstClr val="black"/>
+                </a:solidFill>
+                <a:effectLst/>
+                <a:uLnTx/>
+                <a:uFillTx/>
+                <a:latin typeface="Helvetica" pitchFamily="2" charset="0"/>
+                <a:cs typeface="Arial" panose="020B0604020202020204" pitchFamily="34" charset="0"/>
+              </a:rPr>
+              <a:t>Engaged,</a:t>
+            </a:r>
+          </a:p>
+          <a:p>
+            <a:pPr marL="0" marR="0" lvl="0" indent="0" algn="ctr" defTabSz="685783" eaLnBrk="1" fontAlgn="auto" latinLnBrk="0" hangingPunct="1">
+              <a:lnSpc>
+                <a:spcPct val="100000"/>
+              </a:lnSpc>
+              <a:spcBef>
+                <a:spcPts val="0"/>
+              </a:spcBef>
+              <a:spcAft>
+                <a:spcPts val="0"/>
+              </a:spcAft>
+              <a:buClrTx/>
+              <a:buSzTx/>
+              <a:buFontTx/>
+              <a:buNone/>
+              <a:tabLst/>
+              <a:defRPr/>
+            </a:pPr>
+            <a:r>
+              <a:rPr kumimoji="0" lang="en-US" sz="1600" b="0" i="0" u="none" strike="noStrike" kern="0" cap="none" spc="0" normalizeH="0" baseline="0" noProof="0" dirty="0">
+                <a:ln>
+                  <a:noFill/>
+                </a:ln>
+                <a:solidFill>
+                  <a:prstClr val="black"/>
+                </a:solidFill>
+                <a:effectLst/>
+                <a:uLnTx/>
+                <a:uFillTx/>
+                <a:latin typeface="Helvetica" pitchFamily="2" charset="0"/>
+                <a:cs typeface="Arial" panose="020B0604020202020204" pitchFamily="34" charset="0"/>
+              </a:rPr>
+              <a:t>Suppressed</a:t>
+            </a:r>
+          </a:p>
+        </p:txBody>
+      </p:sp>
+      <p:cxnSp>
+        <p:nvCxnSpPr>
+          <p:cNvPr id="19" name="Straight Arrow Connector 18">
+            <a:extLst>
+              <a:ext uri="{FF2B5EF4-FFF2-40B4-BE49-F238E27FC236}">
+                <a16:creationId xmlns:a16="http://schemas.microsoft.com/office/drawing/2014/main" id="{328FD9E8-E46E-6A18-3C94-E5002E260DE3}"/>
+              </a:ext>
+            </a:extLst>
+          </p:cNvPr>
+          <p:cNvCxnSpPr>
+            <a:cxnSpLocks/>
+          </p:cNvCxnSpPr>
+          <p:nvPr/>
+        </p:nvCxnSpPr>
+        <p:spPr>
+          <a:xfrm>
+            <a:off x="9032430" y="1954360"/>
+            <a:ext cx="615448" cy="0"/>
+          </a:xfrm>
+          <a:prstGeom prst="straightConnector1">
+            <a:avLst/>
+          </a:prstGeom>
+          <a:noFill/>
+          <a:ln w="38100" cap="flat" cmpd="sng" algn="ctr">
+            <a:solidFill>
+              <a:srgbClr val="002D72"/>
+            </a:solidFill>
+            <a:prstDash val="solid"/>
+            <a:tailEnd type="triangle" w="lg" len="med"/>
+          </a:ln>
+          <a:effectLst/>
+        </p:spPr>
+      </p:cxnSp>
+      <p:cxnSp>
+        <p:nvCxnSpPr>
+          <p:cNvPr id="56" name="Straight Arrow Connector 55">
+            <a:extLst>
+              <a:ext uri="{FF2B5EF4-FFF2-40B4-BE49-F238E27FC236}">
+                <a16:creationId xmlns:a16="http://schemas.microsoft.com/office/drawing/2014/main" id="{770A0AA5-7BB6-DADD-9DC1-4352E81F5020}"/>
+              </a:ext>
+            </a:extLst>
+          </p:cNvPr>
+          <p:cNvCxnSpPr>
+            <a:cxnSpLocks/>
+          </p:cNvCxnSpPr>
+          <p:nvPr/>
+        </p:nvCxnSpPr>
+        <p:spPr>
+          <a:xfrm>
+            <a:off x="9032430" y="2225065"/>
+            <a:ext cx="608057" cy="1833"/>
+          </a:xfrm>
+          <a:prstGeom prst="straightConnector1">
+            <a:avLst/>
+          </a:prstGeom>
+          <a:noFill/>
+          <a:ln w="38100" cap="flat" cmpd="sng" algn="ctr">
+            <a:solidFill>
+              <a:srgbClr val="00B050"/>
+            </a:solidFill>
+            <a:prstDash val="sysDot"/>
+            <a:tailEnd type="triangle" w="lg" len="med"/>
+          </a:ln>
+          <a:effectLst/>
+        </p:spPr>
+      </p:cxnSp>
+      <p:cxnSp>
+        <p:nvCxnSpPr>
+          <p:cNvPr id="63" name="Straight Arrow Connector 62">
+            <a:extLst>
+              <a:ext uri="{FF2B5EF4-FFF2-40B4-BE49-F238E27FC236}">
+                <a16:creationId xmlns:a16="http://schemas.microsoft.com/office/drawing/2014/main" id="{B55694E5-E9D0-1F10-C911-0C05B466EC91}"/>
+              </a:ext>
+            </a:extLst>
+          </p:cNvPr>
+          <p:cNvCxnSpPr>
+            <a:cxnSpLocks/>
+          </p:cNvCxnSpPr>
+          <p:nvPr/>
+        </p:nvCxnSpPr>
+        <p:spPr>
+          <a:xfrm>
+            <a:off x="6780000" y="2113447"/>
+            <a:ext cx="608057" cy="1833"/>
+          </a:xfrm>
+          <a:prstGeom prst="straightConnector1">
+            <a:avLst/>
+          </a:prstGeom>
+          <a:noFill/>
+          <a:ln w="38100" cap="flat" cmpd="sng" algn="ctr">
+            <a:solidFill>
+              <a:srgbClr val="00B050"/>
+            </a:solidFill>
+            <a:prstDash val="sysDot"/>
+            <a:tailEnd type="triangle" w="lg" len="med"/>
+          </a:ln>
+          <a:effectLst/>
+        </p:spPr>
+      </p:cxnSp>
+      <p:sp>
+        <p:nvSpPr>
+          <p:cNvPr id="17" name="Rectangle 16">
+            <a:extLst>
+              <a:ext uri="{FF2B5EF4-FFF2-40B4-BE49-F238E27FC236}">
+                <a16:creationId xmlns:a16="http://schemas.microsoft.com/office/drawing/2014/main" id="{05BF6464-00BC-E15E-6E82-3301D69173F5}"/>
+              </a:ext>
+            </a:extLst>
+          </p:cNvPr>
+          <p:cNvSpPr/>
+          <p:nvPr/>
+        </p:nvSpPr>
+        <p:spPr>
+          <a:xfrm>
+            <a:off x="7394409" y="1776055"/>
+            <a:ext cx="1639062" cy="754380"/>
+          </a:xfrm>
+          <a:prstGeom prst="rect">
+            <a:avLst/>
+          </a:prstGeom>
+          <a:solidFill>
+            <a:srgbClr val="418EDF">
+              <a:lumMod val="20000"/>
+              <a:lumOff val="80000"/>
+            </a:srgbClr>
+          </a:solidFill>
+          <a:ln w="28575" cap="flat" cmpd="sng" algn="ctr">
+            <a:solidFill>
+              <a:srgbClr val="002D72"/>
+            </a:solidFill>
+            <a:prstDash val="solid"/>
+            <a:miter lim="800000"/>
+          </a:ln>
+          <a:effectLst/>
+        </p:spPr>
+        <p:txBody>
+          <a:bodyPr rtlCol="0" anchor="ctr"/>
+          <a:lstStyle/>
+          <a:p>
+            <a:pPr marL="0" marR="0" lvl="0" indent="0" algn="ctr" defTabSz="685783" eaLnBrk="1" fontAlgn="auto" latinLnBrk="0" hangingPunct="1">
+              <a:lnSpc>
+                <a:spcPct val="100000"/>
+              </a:lnSpc>
+              <a:spcBef>
+                <a:spcPts val="0"/>
+              </a:spcBef>
+              <a:spcAft>
+                <a:spcPts val="0"/>
+              </a:spcAft>
+              <a:buClrTx/>
+              <a:buSzTx/>
+              <a:buFontTx/>
+              <a:buNone/>
+              <a:tabLst/>
+              <a:defRPr/>
+            </a:pPr>
+            <a:r>
+              <a:rPr kumimoji="0" lang="en-US" sz="1600" b="0" i="0" u="none" strike="noStrike" kern="0" cap="none" spc="0" normalizeH="0" baseline="0" noProof="0" dirty="0">
+                <a:ln>
+                  <a:noFill/>
+                </a:ln>
+                <a:solidFill>
+                  <a:prstClr val="black"/>
+                </a:solidFill>
+                <a:effectLst/>
+                <a:uLnTx/>
+                <a:uFillTx/>
+                <a:latin typeface="Helvetica" pitchFamily="2" charset="0"/>
+                <a:cs typeface="Arial" panose="020B0604020202020204" pitchFamily="34" charset="0"/>
+              </a:rPr>
+              <a:t>Engaged,</a:t>
+            </a:r>
+          </a:p>
+          <a:p>
+            <a:pPr marL="0" marR="0" lvl="0" indent="0" algn="ctr" defTabSz="685783" eaLnBrk="1" fontAlgn="auto" latinLnBrk="0" hangingPunct="1">
+              <a:lnSpc>
+                <a:spcPct val="100000"/>
+              </a:lnSpc>
+              <a:spcBef>
+                <a:spcPts val="0"/>
+              </a:spcBef>
+              <a:spcAft>
+                <a:spcPts val="0"/>
+              </a:spcAft>
+              <a:buClrTx/>
+              <a:buSzTx/>
+              <a:buFontTx/>
+              <a:buNone/>
+              <a:tabLst/>
+              <a:defRPr/>
+            </a:pPr>
+            <a:r>
+              <a:rPr kumimoji="0" lang="en-US" sz="1600" b="0" i="0" u="none" strike="noStrike" kern="0" cap="none" spc="0" normalizeH="0" baseline="0" noProof="0" dirty="0">
+                <a:ln>
+                  <a:noFill/>
+                </a:ln>
+                <a:solidFill>
+                  <a:prstClr val="black"/>
+                </a:solidFill>
+                <a:effectLst/>
+                <a:uLnTx/>
+                <a:uFillTx/>
+                <a:latin typeface="Helvetica" pitchFamily="2" charset="0"/>
+                <a:cs typeface="Arial" panose="020B0604020202020204" pitchFamily="34" charset="0"/>
+              </a:rPr>
+              <a:t>Unsuppressed</a:t>
+            </a:r>
+          </a:p>
+        </p:txBody>
+      </p:sp>
+      <p:sp>
+        <p:nvSpPr>
+          <p:cNvPr id="25" name="Rectangle 24">
+            <a:extLst>
+              <a:ext uri="{FF2B5EF4-FFF2-40B4-BE49-F238E27FC236}">
+                <a16:creationId xmlns:a16="http://schemas.microsoft.com/office/drawing/2014/main" id="{B261AC5C-2E87-9F14-0D5C-78C90394159B}"/>
+              </a:ext>
+            </a:extLst>
+          </p:cNvPr>
+          <p:cNvSpPr/>
+          <p:nvPr/>
+        </p:nvSpPr>
+        <p:spPr>
+          <a:xfrm>
+            <a:off x="5140939" y="1774557"/>
+            <a:ext cx="1639062" cy="754380"/>
+          </a:xfrm>
+          <a:prstGeom prst="rect">
+            <a:avLst/>
+          </a:prstGeom>
+          <a:solidFill>
+            <a:srgbClr val="418EDF">
+              <a:lumMod val="20000"/>
+              <a:lumOff val="80000"/>
+            </a:srgbClr>
+          </a:solidFill>
+          <a:ln w="28575" cap="flat" cmpd="sng" algn="ctr">
+            <a:solidFill>
+              <a:srgbClr val="002D72"/>
+            </a:solidFill>
+            <a:prstDash val="solid"/>
+            <a:miter lim="800000"/>
+          </a:ln>
+          <a:effectLst/>
+        </p:spPr>
+        <p:txBody>
+          <a:bodyPr rtlCol="0" anchor="ctr"/>
+          <a:lstStyle/>
+          <a:p>
+            <a:pPr marL="0" marR="0" lvl="0" indent="0" algn="ctr" defTabSz="685783" eaLnBrk="1" fontAlgn="auto" latinLnBrk="0" hangingPunct="1">
+              <a:lnSpc>
+                <a:spcPct val="100000"/>
+              </a:lnSpc>
+              <a:spcBef>
+                <a:spcPts val="0"/>
+              </a:spcBef>
+              <a:spcAft>
+                <a:spcPts val="0"/>
+              </a:spcAft>
+              <a:buClrTx/>
+              <a:buSzTx/>
+              <a:buFontTx/>
+              <a:buNone/>
+              <a:tabLst/>
+              <a:defRPr/>
+            </a:pPr>
+            <a:r>
+              <a:rPr kumimoji="0" lang="en-US" sz="1600" b="0" i="0" u="none" strike="noStrike" kern="0" cap="none" spc="0" normalizeH="0" baseline="0" noProof="0" dirty="0">
+                <a:ln>
+                  <a:noFill/>
+                </a:ln>
+                <a:solidFill>
+                  <a:prstClr val="black"/>
+                </a:solidFill>
+                <a:effectLst/>
+                <a:uLnTx/>
+                <a:uFillTx/>
+                <a:latin typeface="Helvetica" pitchFamily="2" charset="0"/>
+                <a:cs typeface="Arial" panose="020B0604020202020204" pitchFamily="34" charset="0"/>
+              </a:rPr>
+              <a:t>Diagnosed,</a:t>
+            </a:r>
+          </a:p>
+          <a:p>
+            <a:pPr marL="0" marR="0" lvl="0" indent="0" algn="ctr" defTabSz="685783" eaLnBrk="1" fontAlgn="auto" latinLnBrk="0" hangingPunct="1">
+              <a:lnSpc>
+                <a:spcPct val="100000"/>
+              </a:lnSpc>
+              <a:spcBef>
+                <a:spcPts val="0"/>
+              </a:spcBef>
+              <a:spcAft>
+                <a:spcPts val="0"/>
+              </a:spcAft>
+              <a:buClrTx/>
+              <a:buSzTx/>
+              <a:buFontTx/>
+              <a:buNone/>
+              <a:tabLst/>
+              <a:defRPr/>
+            </a:pPr>
+            <a:r>
+              <a:rPr kumimoji="0" lang="en-US" sz="1600" b="0" i="0" u="none" strike="noStrike" kern="0" cap="none" spc="0" normalizeH="0" baseline="0" noProof="0" dirty="0">
+                <a:ln>
+                  <a:noFill/>
+                </a:ln>
+                <a:solidFill>
+                  <a:prstClr val="black"/>
+                </a:solidFill>
+                <a:effectLst/>
+                <a:uLnTx/>
+                <a:uFillTx/>
+                <a:latin typeface="Helvetica" pitchFamily="2" charset="0"/>
+                <a:cs typeface="Arial" panose="020B0604020202020204" pitchFamily="34" charset="0"/>
+              </a:rPr>
+              <a:t>Unengaged</a:t>
+            </a:r>
+          </a:p>
+        </p:txBody>
+      </p:sp>
+      <p:sp>
+        <p:nvSpPr>
+          <p:cNvPr id="2" name="Rectangle 1">
+            <a:extLst>
+              <a:ext uri="{FF2B5EF4-FFF2-40B4-BE49-F238E27FC236}">
+                <a16:creationId xmlns:a16="http://schemas.microsoft.com/office/drawing/2014/main" id="{05F58D8A-2DA0-8874-4B7D-3F019EA173CB}"/>
+              </a:ext>
+            </a:extLst>
+          </p:cNvPr>
+          <p:cNvSpPr/>
+          <p:nvPr/>
+        </p:nvSpPr>
+        <p:spPr>
+          <a:xfrm>
+            <a:off x="9647878" y="3483803"/>
+            <a:ext cx="1639062" cy="754380"/>
+          </a:xfrm>
+          <a:prstGeom prst="rect">
+            <a:avLst/>
+          </a:prstGeom>
+          <a:solidFill>
+            <a:srgbClr val="418EDF">
+              <a:lumMod val="20000"/>
+              <a:lumOff val="80000"/>
+            </a:srgbClr>
+          </a:solidFill>
+          <a:ln w="28575" cap="flat" cmpd="sng" algn="ctr">
+            <a:solidFill>
+              <a:srgbClr val="002D72"/>
+            </a:solidFill>
+            <a:prstDash val="solid"/>
+            <a:miter lim="800000"/>
+          </a:ln>
+          <a:effectLst/>
+        </p:spPr>
+        <p:txBody>
+          <a:bodyPr rtlCol="0" anchor="ctr"/>
+          <a:lstStyle/>
+          <a:p>
+            <a:pPr marL="0" marR="0" lvl="0" indent="0" algn="ctr" defTabSz="685783" eaLnBrk="1" fontAlgn="auto" latinLnBrk="0" hangingPunct="1">
+              <a:lnSpc>
+                <a:spcPct val="100000"/>
+              </a:lnSpc>
+              <a:spcBef>
+                <a:spcPts val="0"/>
+              </a:spcBef>
+              <a:spcAft>
+                <a:spcPts val="0"/>
+              </a:spcAft>
+              <a:buClrTx/>
+              <a:buSzTx/>
+              <a:buFontTx/>
+              <a:buNone/>
+              <a:tabLst/>
+              <a:defRPr/>
+            </a:pPr>
+            <a:r>
+              <a:rPr kumimoji="0" lang="en-US" sz="1600" b="0" i="0" u="none" strike="noStrike" kern="0" cap="none" spc="0" normalizeH="0" baseline="0" noProof="0" dirty="0">
+                <a:ln>
+                  <a:noFill/>
+                </a:ln>
+                <a:solidFill>
+                  <a:prstClr val="black"/>
+                </a:solidFill>
+                <a:effectLst/>
+                <a:uLnTx/>
+                <a:uFillTx/>
+                <a:latin typeface="Helvetica" pitchFamily="2" charset="0"/>
+                <a:cs typeface="Arial" panose="020B0604020202020204" pitchFamily="34" charset="0"/>
+              </a:rPr>
+              <a:t>LAI ART</a:t>
+            </a:r>
+          </a:p>
+        </p:txBody>
+      </p:sp>
+    </p:spTree>
+    <p:extLst>
+      <p:ext uri="{BB962C8B-B14F-4D97-AF65-F5344CB8AC3E}">
+        <p14:creationId xmlns:p14="http://schemas.microsoft.com/office/powerpoint/2010/main" val="1902225307"/>
       </p:ext>
     </p:extLst>
   </p:cSld>
